--- a/Slides/03. Dispositivos de Interação.pptx
+++ b/Slides/03. Dispositivos de Interação.pptx
@@ -126,8 +126,19 @@
     <p:ext uri="{EFAFB233-063F-42B5-8137-9DF3F51BA10A}">
       <p15:sldGuideLst xmlns:p15="http://schemas.microsoft.com/office/powerpoint/2012/main"/>
     </p:ext>
+    <p:ext uri="{2D200454-40CA-4A62-9FC3-DE9A4176ACB9}">
+      <p15:notesGuideLst xmlns:p15="http://schemas.microsoft.com/office/powerpoint/2012/main"/>
+    </p:ext>
   </p:extLst>
 </p:presentation>
+</file>
+
+<file path=ppt/revisionInfo.xml><?xml version="1.0" encoding="utf-8"?>
+<p1510:revInfo xmlns:a="http://schemas.openxmlformats.org/drawingml/2006/main" xmlns:r="http://schemas.openxmlformats.org/officeDocument/2006/relationships" xmlns:p1510="http://schemas.microsoft.com/office/powerpoint/2015/10/main">
+  <p1510:revLst>
+    <p1510:client id="{C7DF2F81-2208-4674-A9B7-9C036C6200CC}" v="5" dt="2020-11-06T02:55:00.717"/>
+  </p1510:revLst>
+</p1510:revInfo>
 </file>
 
 <file path=ppt/changesInfos/changesInfo1.xml><?xml version="1.0" encoding="utf-8"?>
@@ -1357,6 +1368,276 @@
           </pc:spChg>
         </pc:sldLayoutChg>
       </pc:sldMasterChg>
+    </pc:docChg>
+  </pc:docChgLst>
+  <pc:docChgLst>
+    <pc:chgData name="Judson Santiago" userId="ebb108da2f256286" providerId="LiveId" clId="{C7DF2F81-2208-4674-A9B7-9C036C6200CC}"/>
+    <pc:docChg chg="undo custSel modSld">
+      <pc:chgData name="Judson Santiago" userId="ebb108da2f256286" providerId="LiveId" clId="{C7DF2F81-2208-4674-A9B7-9C036C6200CC}" dt="2020-11-06T03:49:54.738" v="1580" actId="6549"/>
+      <pc:docMkLst>
+        <pc:docMk/>
+      </pc:docMkLst>
+      <pc:sldChg chg="modSp mod">
+        <pc:chgData name="Judson Santiago" userId="ebb108da2f256286" providerId="LiveId" clId="{C7DF2F81-2208-4674-A9B7-9C036C6200CC}" dt="2020-11-05T06:05:58.511" v="302" actId="20577"/>
+        <pc:sldMkLst>
+          <pc:docMk/>
+          <pc:sldMk cId="995125218" sldId="354"/>
+        </pc:sldMkLst>
+        <pc:spChg chg="mod">
+          <ac:chgData name="Judson Santiago" userId="ebb108da2f256286" providerId="LiveId" clId="{C7DF2F81-2208-4674-A9B7-9C036C6200CC}" dt="2020-11-05T06:05:58.511" v="302" actId="20577"/>
+          <ac:spMkLst>
+            <pc:docMk/>
+            <pc:sldMk cId="995125218" sldId="354"/>
+            <ac:spMk id="3" creationId="{83AB7D2A-40A8-4416-8F63-1EF5BA2521B0}"/>
+          </ac:spMkLst>
+        </pc:spChg>
+      </pc:sldChg>
+      <pc:sldChg chg="addSp delSp modSp mod">
+        <pc:chgData name="Judson Santiago" userId="ebb108da2f256286" providerId="LiveId" clId="{C7DF2F81-2208-4674-A9B7-9C036C6200CC}" dt="2020-11-05T06:03:54.973" v="297" actId="164"/>
+        <pc:sldMkLst>
+          <pc:docMk/>
+          <pc:sldMk cId="1656713400" sldId="355"/>
+        </pc:sldMkLst>
+        <pc:spChg chg="mod topLvl">
+          <ac:chgData name="Judson Santiago" userId="ebb108da2f256286" providerId="LiveId" clId="{C7DF2F81-2208-4674-A9B7-9C036C6200CC}" dt="2020-11-05T06:03:54.973" v="297" actId="164"/>
+          <ac:spMkLst>
+            <pc:docMk/>
+            <pc:sldMk cId="1656713400" sldId="355"/>
+            <ac:spMk id="7" creationId="{581FC263-026B-4748-95B8-E72C1DC727AB}"/>
+          </ac:spMkLst>
+        </pc:spChg>
+        <pc:spChg chg="mod topLvl">
+          <ac:chgData name="Judson Santiago" userId="ebb108da2f256286" providerId="LiveId" clId="{C7DF2F81-2208-4674-A9B7-9C036C6200CC}" dt="2020-11-05T06:03:54.973" v="297" actId="164"/>
+          <ac:spMkLst>
+            <pc:docMk/>
+            <pc:sldMk cId="1656713400" sldId="355"/>
+            <ac:spMk id="8" creationId="{C593713E-9354-47B8-A9FE-056ECF989817}"/>
+          </ac:spMkLst>
+        </pc:spChg>
+        <pc:spChg chg="mod topLvl">
+          <ac:chgData name="Judson Santiago" userId="ebb108da2f256286" providerId="LiveId" clId="{C7DF2F81-2208-4674-A9B7-9C036C6200CC}" dt="2020-11-05T06:03:54.973" v="297" actId="164"/>
+          <ac:spMkLst>
+            <pc:docMk/>
+            <pc:sldMk cId="1656713400" sldId="355"/>
+            <ac:spMk id="10" creationId="{BF49266A-74CA-4429-9384-4FAB60BBD03E}"/>
+          </ac:spMkLst>
+        </pc:spChg>
+        <pc:spChg chg="mod topLvl">
+          <ac:chgData name="Judson Santiago" userId="ebb108da2f256286" providerId="LiveId" clId="{C7DF2F81-2208-4674-A9B7-9C036C6200CC}" dt="2020-11-05T06:03:54.973" v="297" actId="164"/>
+          <ac:spMkLst>
+            <pc:docMk/>
+            <pc:sldMk cId="1656713400" sldId="355"/>
+            <ac:spMk id="11" creationId="{52893E83-840A-415D-BCA6-573EE254D76D}"/>
+          </ac:spMkLst>
+        </pc:spChg>
+        <pc:spChg chg="mod topLvl">
+          <ac:chgData name="Judson Santiago" userId="ebb108da2f256286" providerId="LiveId" clId="{C7DF2F81-2208-4674-A9B7-9C036C6200CC}" dt="2020-11-05T06:03:54.973" v="297" actId="164"/>
+          <ac:spMkLst>
+            <pc:docMk/>
+            <pc:sldMk cId="1656713400" sldId="355"/>
+            <ac:spMk id="12" creationId="{C3D205BE-2D15-41C7-80F2-3324932D58AC}"/>
+          </ac:spMkLst>
+        </pc:spChg>
+        <pc:grpChg chg="add mod">
+          <ac:chgData name="Judson Santiago" userId="ebb108da2f256286" providerId="LiveId" clId="{C7DF2F81-2208-4674-A9B7-9C036C6200CC}" dt="2020-11-05T06:03:54.973" v="297" actId="164"/>
+          <ac:grpSpMkLst>
+            <pc:docMk/>
+            <pc:sldMk cId="1656713400" sldId="355"/>
+            <ac:grpSpMk id="14" creationId="{F6A39B7D-BF8B-4D5A-9C46-23A100CFCF5C}"/>
+          </ac:grpSpMkLst>
+        </pc:grpChg>
+        <pc:grpChg chg="del">
+          <ac:chgData name="Judson Santiago" userId="ebb108da2f256286" providerId="LiveId" clId="{C7DF2F81-2208-4674-A9B7-9C036C6200CC}" dt="2020-11-05T06:03:19.801" v="285" actId="165"/>
+          <ac:grpSpMkLst>
+            <pc:docMk/>
+            <pc:sldMk cId="1656713400" sldId="355"/>
+            <ac:grpSpMk id="69" creationId="{F342592A-DD4D-46F9-A379-515F186B57F6}"/>
+          </ac:grpSpMkLst>
+        </pc:grpChg>
+        <pc:cxnChg chg="mod topLvl">
+          <ac:chgData name="Judson Santiago" userId="ebb108da2f256286" providerId="LiveId" clId="{C7DF2F81-2208-4674-A9B7-9C036C6200CC}" dt="2020-11-05T06:03:54.973" v="297" actId="164"/>
+          <ac:cxnSpMkLst>
+            <pc:docMk/>
+            <pc:sldMk cId="1656713400" sldId="355"/>
+            <ac:cxnSpMk id="9" creationId="{7DF2E73D-02BB-4066-9522-3EC79003BB2F}"/>
+          </ac:cxnSpMkLst>
+        </pc:cxnChg>
+        <pc:cxnChg chg="mod topLvl">
+          <ac:chgData name="Judson Santiago" userId="ebb108da2f256286" providerId="LiveId" clId="{C7DF2F81-2208-4674-A9B7-9C036C6200CC}" dt="2020-11-05T06:03:54.973" v="297" actId="164"/>
+          <ac:cxnSpMkLst>
+            <pc:docMk/>
+            <pc:sldMk cId="1656713400" sldId="355"/>
+            <ac:cxnSpMk id="35" creationId="{BA5C4B0D-2A32-4CD6-98BA-2C1233EE5439}"/>
+          </ac:cxnSpMkLst>
+        </pc:cxnChg>
+        <pc:cxnChg chg="mod topLvl">
+          <ac:chgData name="Judson Santiago" userId="ebb108da2f256286" providerId="LiveId" clId="{C7DF2F81-2208-4674-A9B7-9C036C6200CC}" dt="2020-11-05T06:03:54.973" v="297" actId="164"/>
+          <ac:cxnSpMkLst>
+            <pc:docMk/>
+            <pc:sldMk cId="1656713400" sldId="355"/>
+            <ac:cxnSpMk id="41" creationId="{1BC1FE38-A304-4824-BDE2-22A982C17F68}"/>
+          </ac:cxnSpMkLst>
+        </pc:cxnChg>
+      </pc:sldChg>
+      <pc:sldChg chg="modSp mod">
+        <pc:chgData name="Judson Santiago" userId="ebb108da2f256286" providerId="LiveId" clId="{C7DF2F81-2208-4674-A9B7-9C036C6200CC}" dt="2020-11-06T03:00:32.540" v="1518" actId="20577"/>
+        <pc:sldMkLst>
+          <pc:docMk/>
+          <pc:sldMk cId="2747451567" sldId="357"/>
+        </pc:sldMkLst>
+        <pc:spChg chg="mod">
+          <ac:chgData name="Judson Santiago" userId="ebb108da2f256286" providerId="LiveId" clId="{C7DF2F81-2208-4674-A9B7-9C036C6200CC}" dt="2020-11-06T03:00:32.540" v="1518" actId="20577"/>
+          <ac:spMkLst>
+            <pc:docMk/>
+            <pc:sldMk cId="2747451567" sldId="357"/>
+            <ac:spMk id="3" creationId="{0F804370-0E4D-4C5A-8150-5FC46B4E73D6}"/>
+          </ac:spMkLst>
+        </pc:spChg>
+        <pc:spChg chg="mod">
+          <ac:chgData name="Judson Santiago" userId="ebb108da2f256286" providerId="LiveId" clId="{C7DF2F81-2208-4674-A9B7-9C036C6200CC}" dt="2020-11-06T02:57:48.610" v="1475" actId="1076"/>
+          <ac:spMkLst>
+            <pc:docMk/>
+            <pc:sldMk cId="2747451567" sldId="357"/>
+            <ac:spMk id="59" creationId="{FFE4E4F9-B628-4F6A-B77C-6AF1F9A845B9}"/>
+          </ac:spMkLst>
+        </pc:spChg>
+        <pc:spChg chg="mod">
+          <ac:chgData name="Judson Santiago" userId="ebb108da2f256286" providerId="LiveId" clId="{C7DF2F81-2208-4674-A9B7-9C036C6200CC}" dt="2020-11-06T02:57:55.902" v="1478" actId="1076"/>
+          <ac:spMkLst>
+            <pc:docMk/>
+            <pc:sldMk cId="2747451567" sldId="357"/>
+            <ac:spMk id="62" creationId="{84C0EFD4-3D56-4575-971E-4410A6F4E502}"/>
+          </ac:spMkLst>
+        </pc:spChg>
+        <pc:grpChg chg="mod">
+          <ac:chgData name="Judson Santiago" userId="ebb108da2f256286" providerId="LiveId" clId="{C7DF2F81-2208-4674-A9B7-9C036C6200CC}" dt="2020-11-06T02:58:17.760" v="1482" actId="12788"/>
+          <ac:grpSpMkLst>
+            <pc:docMk/>
+            <pc:sldMk cId="2747451567" sldId="357"/>
+            <ac:grpSpMk id="4" creationId="{29F245DA-7C73-406C-8C7B-18B86ACB1C4E}"/>
+          </ac:grpSpMkLst>
+        </pc:grpChg>
+        <pc:grpChg chg="mod">
+          <ac:chgData name="Judson Santiago" userId="ebb108da2f256286" providerId="LiveId" clId="{C7DF2F81-2208-4674-A9B7-9C036C6200CC}" dt="2020-11-06T02:58:17.760" v="1482" actId="12788"/>
+          <ac:grpSpMkLst>
+            <pc:docMk/>
+            <pc:sldMk cId="2747451567" sldId="357"/>
+            <ac:grpSpMk id="64" creationId="{B46B36CE-2D44-40E1-9E5F-C70F485D3F5D}"/>
+          </ac:grpSpMkLst>
+        </pc:grpChg>
+      </pc:sldChg>
+      <pc:sldChg chg="modSp mod">
+        <pc:chgData name="Judson Santiago" userId="ebb108da2f256286" providerId="LiveId" clId="{C7DF2F81-2208-4674-A9B7-9C036C6200CC}" dt="2020-11-05T04:27:33.825" v="284" actId="6549"/>
+        <pc:sldMkLst>
+          <pc:docMk/>
+          <pc:sldMk cId="4268953104" sldId="358"/>
+        </pc:sldMkLst>
+        <pc:spChg chg="mod">
+          <ac:chgData name="Judson Santiago" userId="ebb108da2f256286" providerId="LiveId" clId="{C7DF2F81-2208-4674-A9B7-9C036C6200CC}" dt="2020-11-05T04:27:33.825" v="284" actId="6549"/>
+          <ac:spMkLst>
+            <pc:docMk/>
+            <pc:sldMk cId="4268953104" sldId="358"/>
+            <ac:spMk id="3" creationId="{6D874A1B-D4A2-46B6-891F-79B9D9F05A04}"/>
+          </ac:spMkLst>
+        </pc:spChg>
+      </pc:sldChg>
+      <pc:sldChg chg="modNotesTx">
+        <pc:chgData name="Judson Santiago" userId="ebb108da2f256286" providerId="LiveId" clId="{C7DF2F81-2208-4674-A9B7-9C036C6200CC}" dt="2020-11-05T06:23:28.219" v="1356" actId="6549"/>
+        <pc:sldMkLst>
+          <pc:docMk/>
+          <pc:sldMk cId="3509363892" sldId="360"/>
+        </pc:sldMkLst>
+      </pc:sldChg>
+      <pc:sldChg chg="modSp mod">
+        <pc:chgData name="Judson Santiago" userId="ebb108da2f256286" providerId="LiveId" clId="{C7DF2F81-2208-4674-A9B7-9C036C6200CC}" dt="2020-11-06T03:49:23.578" v="1568" actId="20577"/>
+        <pc:sldMkLst>
+          <pc:docMk/>
+          <pc:sldMk cId="3671042360" sldId="362"/>
+        </pc:sldMkLst>
+        <pc:spChg chg="mod">
+          <ac:chgData name="Judson Santiago" userId="ebb108da2f256286" providerId="LiveId" clId="{C7DF2F81-2208-4674-A9B7-9C036C6200CC}" dt="2020-11-06T03:49:23.578" v="1568" actId="20577"/>
+          <ac:spMkLst>
+            <pc:docMk/>
+            <pc:sldMk cId="3671042360" sldId="362"/>
+            <ac:spMk id="7" creationId="{D263B4CA-0D78-434F-AD4D-A0093A6DE6A0}"/>
+          </ac:spMkLst>
+        </pc:spChg>
+      </pc:sldChg>
+      <pc:sldChg chg="modSp mod">
+        <pc:chgData name="Judson Santiago" userId="ebb108da2f256286" providerId="LiveId" clId="{C7DF2F81-2208-4674-A9B7-9C036C6200CC}" dt="2020-11-06T03:30:46.062" v="1542" actId="6549"/>
+        <pc:sldMkLst>
+          <pc:docMk/>
+          <pc:sldMk cId="1984821044" sldId="363"/>
+        </pc:sldMkLst>
+        <pc:spChg chg="mod">
+          <ac:chgData name="Judson Santiago" userId="ebb108da2f256286" providerId="LiveId" clId="{C7DF2F81-2208-4674-A9B7-9C036C6200CC}" dt="2020-11-06T03:30:46.062" v="1542" actId="6549"/>
+          <ac:spMkLst>
+            <pc:docMk/>
+            <pc:sldMk cId="1984821044" sldId="363"/>
+            <ac:spMk id="4" creationId="{BE20127F-2A1C-4F2D-83CF-7C0972515F24}"/>
+          </ac:spMkLst>
+        </pc:spChg>
+      </pc:sldChg>
+      <pc:sldChg chg="modSp mod">
+        <pc:chgData name="Judson Santiago" userId="ebb108da2f256286" providerId="LiveId" clId="{C7DF2F81-2208-4674-A9B7-9C036C6200CC}" dt="2020-11-06T03:05:43.331" v="1530" actId="6549"/>
+        <pc:sldMkLst>
+          <pc:docMk/>
+          <pc:sldMk cId="796104655" sldId="364"/>
+        </pc:sldMkLst>
+        <pc:spChg chg="mod">
+          <ac:chgData name="Judson Santiago" userId="ebb108da2f256286" providerId="LiveId" clId="{C7DF2F81-2208-4674-A9B7-9C036C6200CC}" dt="2020-11-06T03:05:43.331" v="1530" actId="6549"/>
+          <ac:spMkLst>
+            <pc:docMk/>
+            <pc:sldMk cId="796104655" sldId="364"/>
+            <ac:spMk id="4" creationId="{A6C3FD80-CF55-46A3-833C-18A626DB9CF1}"/>
+          </ac:spMkLst>
+        </pc:spChg>
+      </pc:sldChg>
+      <pc:sldChg chg="modSp mod">
+        <pc:chgData name="Judson Santiago" userId="ebb108da2f256286" providerId="LiveId" clId="{C7DF2F81-2208-4674-A9B7-9C036C6200CC}" dt="2020-11-06T03:48:05.651" v="1554" actId="6549"/>
+        <pc:sldMkLst>
+          <pc:docMk/>
+          <pc:sldMk cId="442387290" sldId="365"/>
+        </pc:sldMkLst>
+        <pc:spChg chg="mod">
+          <ac:chgData name="Judson Santiago" userId="ebb108da2f256286" providerId="LiveId" clId="{C7DF2F81-2208-4674-A9B7-9C036C6200CC}" dt="2020-11-05T06:06:38.238" v="313" actId="6549"/>
+          <ac:spMkLst>
+            <pc:docMk/>
+            <pc:sldMk cId="442387290" sldId="365"/>
+            <ac:spMk id="3" creationId="{119CFEFF-F6D9-4636-A3AC-078C6300CEC3}"/>
+          </ac:spMkLst>
+        </pc:spChg>
+        <pc:spChg chg="mod">
+          <ac:chgData name="Judson Santiago" userId="ebb108da2f256286" providerId="LiveId" clId="{C7DF2F81-2208-4674-A9B7-9C036C6200CC}" dt="2020-11-06T03:48:05.651" v="1554" actId="6549"/>
+          <ac:spMkLst>
+            <pc:docMk/>
+            <pc:sldMk cId="442387290" sldId="365"/>
+            <ac:spMk id="4" creationId="{7909C13D-82CA-43B7-B171-3D755BDEF121}"/>
+          </ac:spMkLst>
+        </pc:spChg>
+      </pc:sldChg>
+      <pc:sldChg chg="modSp mod">
+        <pc:chgData name="Judson Santiago" userId="ebb108da2f256286" providerId="LiveId" clId="{C7DF2F81-2208-4674-A9B7-9C036C6200CC}" dt="2020-11-06T03:49:54.738" v="1580" actId="6549"/>
+        <pc:sldMkLst>
+          <pc:docMk/>
+          <pc:sldMk cId="1233877263" sldId="366"/>
+        </pc:sldMkLst>
+        <pc:spChg chg="mod">
+          <ac:chgData name="Judson Santiago" userId="ebb108da2f256286" providerId="LiveId" clId="{C7DF2F81-2208-4674-A9B7-9C036C6200CC}" dt="2020-11-06T03:49:54.738" v="1580" actId="6549"/>
+          <ac:spMkLst>
+            <pc:docMk/>
+            <pc:sldMk cId="1233877263" sldId="366"/>
+            <ac:spMk id="4" creationId="{28972100-2E69-499E-986A-FDD5F82AC8B5}"/>
+          </ac:spMkLst>
+        </pc:spChg>
+      </pc:sldChg>
+      <pc:sldChg chg="modNotesTx">
+        <pc:chgData name="Judson Santiago" userId="ebb108da2f256286" providerId="LiveId" clId="{C7DF2F81-2208-4674-A9B7-9C036C6200CC}" dt="2020-11-06T02:46:48.463" v="1444" actId="20577"/>
+        <pc:sldMkLst>
+          <pc:docMk/>
+          <pc:sldMk cId="3661036231" sldId="369"/>
+        </pc:sldMkLst>
+      </pc:sldChg>
     </pc:docChg>
   </pc:docChgLst>
   <pc:docChgLst>
@@ -3597,7 +3878,7 @@
           <a:p>
             <a:fld id="{A27D232B-A0D8-4A8D-9E79-3B9997589889}" type="datetimeFigureOut">
               <a:rPr lang="pt-BR" smtClean="0"/>
-              <a:t>17/03/2020</a:t>
+              <a:t>05/11/2020</a:t>
             </a:fld>
             <a:endParaRPr lang="pt-BR"/>
           </a:p>
@@ -3661,35 +3942,35 @@
           <a:p>
             <a:pPr lvl="0"/>
             <a:r>
-              <a:rPr lang="pt-BR"/>
+              <a:rPr lang="pt-BR" dirty="0"/>
               <a:t>Clique para editar os estilos de texto Mestres</a:t>
             </a:r>
           </a:p>
           <a:p>
             <a:pPr lvl="1"/>
             <a:r>
-              <a:rPr lang="pt-BR"/>
+              <a:rPr lang="pt-BR" dirty="0"/>
               <a:t>Segundo nível</a:t>
             </a:r>
           </a:p>
           <a:p>
             <a:pPr lvl="2"/>
             <a:r>
-              <a:rPr lang="pt-BR"/>
+              <a:rPr lang="pt-BR" dirty="0"/>
               <a:t>Terceiro nível</a:t>
             </a:r>
           </a:p>
           <a:p>
             <a:pPr lvl="3"/>
             <a:r>
-              <a:rPr lang="pt-BR"/>
+              <a:rPr lang="pt-BR" dirty="0"/>
               <a:t>Quarto nível</a:t>
             </a:r>
           </a:p>
           <a:p>
             <a:pPr lvl="4"/>
             <a:r>
-              <a:rPr lang="pt-BR"/>
+              <a:rPr lang="pt-BR" dirty="0"/>
               <a:t>Quinto nível</a:t>
             </a:r>
           </a:p>
@@ -3909,8 +4190,10 @@
           <a:lstStyle/>
           <a:p>
             <a:r>
-              <a:rPr lang="pt-BR" dirty="0"/>
-              <a:t>Para a construção de programas gráficos interativos, é preciso saber ler os dispositivos de entrada (mouse, teclado e controle).</a:t>
+              <a:rPr lang="pt-BR" sz="1200" dirty="0">
+                <a:latin typeface="+mn-lt"/>
+              </a:rPr>
+              <a:t>Na aula de hoje vamos aprender a ler os dispositivos de entrada que vão nos permitir interagir com as aplicações gráficas. Isto é, vamos ver como criar uma classe Input para o nosso framework DXUT, que seja capaz de tratar a entrada via teclado e mouse.</a:t>
             </a:r>
           </a:p>
         </p:txBody>
@@ -3932,7 +4215,7 @@
           <a:p>
             <a:fld id="{6E9A670B-A0C8-46B4-A2C3-0F9D7276AEB5}" type="slidenum">
               <a:rPr lang="pt-BR" smtClean="0"/>
-              <a:t>2</a:t>
+              <a:t>1</a:t>
             </a:fld>
             <a:endParaRPr lang="pt-BR"/>
           </a:p>
@@ -3941,7 +4224,7 @@
     </p:spTree>
     <p:extLst>
       <p:ext uri="{BB962C8B-B14F-4D97-AF65-F5344CB8AC3E}">
-        <p14:creationId xmlns:p14="http://schemas.microsoft.com/office/powerpoint/2010/main" val="4150370940"/>
+        <p14:creationId xmlns:p14="http://schemas.microsoft.com/office/powerpoint/2010/main" val="431523731"/>
       </p:ext>
     </p:extLst>
   </p:cSld>
@@ -4012,7 +4295,34 @@
               <a:tabLst/>
               <a:defRPr/>
             </a:pPr>
-            <a:endParaRPr lang="pt-BR" dirty="0"/>
+            <a:r>
+              <a:rPr lang="pt-BR" sz="1200" dirty="0">
+                <a:solidFill>
+                  <a:schemeClr val="bg1"/>
+                </a:solidFill>
+              </a:rPr>
+              <a:t>» O projeto </a:t>
+            </a:r>
+            <a:r>
+              <a:rPr lang="pt-BR" sz="1200" b="1" dirty="0" err="1">
+                <a:solidFill>
+                  <a:schemeClr val="bg1"/>
+                </a:solidFill>
+              </a:rPr>
+              <a:t>InputText</a:t>
+            </a:r>
+            <a:r>
+              <a:rPr lang="pt-BR" sz="1200" b="1" dirty="0">
+                <a:solidFill>
+                  <a:schemeClr val="bg1"/>
+                </a:solidFill>
+              </a:rPr>
+              <a:t> </a:t>
+            </a:r>
+            <a:r>
+              <a:rPr lang="pt-BR" dirty="0"/>
+              <a:t>exemplifica o tratamento das mensagens WM_CHAR exibindo em tela o que é digitado pelo teclado.</a:t>
+            </a:r>
           </a:p>
         </p:txBody>
       </p:sp>
@@ -4031,9 +4341,10 @@
           <a:bodyPr/>
           <a:lstStyle/>
           <a:p>
-            <a:fld id="{6E9A670B-A0C8-46B4-A2C3-0F9D7276AEB5}" type="slidenum">
+            <a:fld id="{EF334A8D-C5BE-432D-90D0-92D67DD437AB}" type="slidenum">
               <a:rPr lang="pt-BR" smtClean="0"/>
-              <a:t>12</a:t>
+              <a:pPr/>
+              <a:t>11</a:t>
             </a:fld>
             <a:endParaRPr lang="pt-BR"/>
           </a:p>
@@ -4042,7 +4353,7 @@
     </p:spTree>
     <p:extLst>
       <p:ext uri="{BB962C8B-B14F-4D97-AF65-F5344CB8AC3E}">
-        <p14:creationId xmlns:p14="http://schemas.microsoft.com/office/powerpoint/2010/main" val="196422675"/>
+        <p14:creationId xmlns:p14="http://schemas.microsoft.com/office/powerpoint/2010/main" val="157600849"/>
       </p:ext>
     </p:extLst>
   </p:cSld>
@@ -4134,7 +4445,7 @@
           <a:p>
             <a:fld id="{6E9A670B-A0C8-46B4-A2C3-0F9D7276AEB5}" type="slidenum">
               <a:rPr lang="pt-BR" smtClean="0"/>
-              <a:t>14</a:t>
+              <a:t>12</a:t>
             </a:fld>
             <a:endParaRPr lang="pt-BR"/>
           </a:p>
@@ -4143,7 +4454,7 @@
     </p:spTree>
     <p:extLst>
       <p:ext uri="{BB962C8B-B14F-4D97-AF65-F5344CB8AC3E}">
-        <p14:creationId xmlns:p14="http://schemas.microsoft.com/office/powerpoint/2010/main" val="1959212824"/>
+        <p14:creationId xmlns:p14="http://schemas.microsoft.com/office/powerpoint/2010/main" val="196422675"/>
       </p:ext>
     </p:extLst>
   </p:cSld>
@@ -4214,34 +4525,7 @@
               <a:tabLst/>
               <a:defRPr/>
             </a:pPr>
-            <a:r>
-              <a:rPr lang="pt-BR" sz="1200" dirty="0">
-                <a:solidFill>
-                  <a:schemeClr val="bg1"/>
-                </a:solidFill>
-              </a:rPr>
-              <a:t>» O projeto </a:t>
-            </a:r>
-            <a:r>
-              <a:rPr lang="pt-BR" sz="1200" b="1" dirty="0" err="1">
-                <a:solidFill>
-                  <a:schemeClr val="bg1"/>
-                </a:solidFill>
-              </a:rPr>
-              <a:t>InputDXUT</a:t>
-            </a:r>
-            <a:r>
-              <a:rPr lang="pt-BR" sz="1200" b="1" dirty="0">
-                <a:solidFill>
-                  <a:schemeClr val="bg1"/>
-                </a:solidFill>
-              </a:rPr>
-              <a:t> </a:t>
-            </a:r>
-            <a:r>
-              <a:rPr lang="pt-BR" dirty="0"/>
-              <a:t>mostra como pode ser feito o tratamento do teclado e do mouse</a:t>
-            </a:r>
+            <a:endParaRPr lang="pt-BR" dirty="0"/>
           </a:p>
         </p:txBody>
       </p:sp>
@@ -4262,6 +4546,134 @@
           <a:p>
             <a:fld id="{6E9A670B-A0C8-46B4-A2C3-0F9D7276AEB5}" type="slidenum">
               <a:rPr lang="pt-BR" smtClean="0"/>
+              <a:t>14</a:t>
+            </a:fld>
+            <a:endParaRPr lang="pt-BR"/>
+          </a:p>
+        </p:txBody>
+      </p:sp>
+    </p:spTree>
+    <p:extLst>
+      <p:ext uri="{BB962C8B-B14F-4D97-AF65-F5344CB8AC3E}">
+        <p14:creationId xmlns:p14="http://schemas.microsoft.com/office/powerpoint/2010/main" val="1959212824"/>
+      </p:ext>
+    </p:extLst>
+  </p:cSld>
+  <p:clrMapOvr>
+    <a:masterClrMapping/>
+  </p:clrMapOvr>
+</p:notes>
+</file>
+
+<file path=ppt/notesSlides/notesSlide13.xml><?xml version="1.0" encoding="utf-8"?>
+<p:notes xmlns:a="http://schemas.openxmlformats.org/drawingml/2006/main" xmlns:r="http://schemas.openxmlformats.org/officeDocument/2006/relationships" xmlns:p="http://schemas.openxmlformats.org/presentationml/2006/main">
+  <p:cSld>
+    <p:spTree>
+      <p:nvGrpSpPr>
+        <p:cNvPr id="1" name=""/>
+        <p:cNvGrpSpPr/>
+        <p:nvPr/>
+      </p:nvGrpSpPr>
+      <p:grpSpPr>
+        <a:xfrm>
+          <a:off x="0" y="0"/>
+          <a:ext cx="0" cy="0"/>
+          <a:chOff x="0" y="0"/>
+          <a:chExt cx="0" cy="0"/>
+        </a:xfrm>
+      </p:grpSpPr>
+      <p:sp>
+        <p:nvSpPr>
+          <p:cNvPr id="2" name="Espaço Reservado para Imagem de Slide 1"/>
+          <p:cNvSpPr>
+            <a:spLocks noGrp="1" noRot="1" noChangeAspect="1"/>
+          </p:cNvSpPr>
+          <p:nvPr>
+            <p:ph type="sldImg"/>
+          </p:nvPr>
+        </p:nvSpPr>
+        <p:spPr/>
+      </p:sp>
+      <p:sp>
+        <p:nvSpPr>
+          <p:cNvPr id="3" name="Espaço Reservado para Anotações 2"/>
+          <p:cNvSpPr>
+            <a:spLocks noGrp="1"/>
+          </p:cNvSpPr>
+          <p:nvPr>
+            <p:ph type="body" idx="1"/>
+          </p:nvPr>
+        </p:nvSpPr>
+        <p:spPr/>
+        <p:txBody>
+          <a:bodyPr/>
+          <a:lstStyle/>
+          <a:p>
+            <a:pPr marL="0" marR="0" lvl="0" indent="0" algn="l" defTabSz="914400" rtl="0" eaLnBrk="1" fontAlgn="auto" latinLnBrk="0" hangingPunct="1">
+              <a:lnSpc>
+                <a:spcPct val="100000"/>
+              </a:lnSpc>
+              <a:spcBef>
+                <a:spcPts val="0"/>
+              </a:spcBef>
+              <a:spcAft>
+                <a:spcPts val="0"/>
+              </a:spcAft>
+              <a:buClrTx/>
+              <a:buSzTx/>
+              <a:buFontTx/>
+              <a:buNone/>
+              <a:tabLst/>
+              <a:defRPr/>
+            </a:pPr>
+            <a:r>
+              <a:rPr lang="pt-BR" sz="1200" dirty="0">
+                <a:solidFill>
+                  <a:schemeClr val="bg1"/>
+                </a:solidFill>
+              </a:rPr>
+              <a:t>» O projeto </a:t>
+            </a:r>
+            <a:r>
+              <a:rPr lang="pt-BR" sz="1200" b="1" dirty="0" err="1">
+                <a:solidFill>
+                  <a:schemeClr val="bg1"/>
+                </a:solidFill>
+              </a:rPr>
+              <a:t>InputDXUT</a:t>
+            </a:r>
+            <a:r>
+              <a:rPr lang="pt-BR" sz="1200" b="1" dirty="0">
+                <a:solidFill>
+                  <a:schemeClr val="bg1"/>
+                </a:solidFill>
+              </a:rPr>
+              <a:t> </a:t>
+            </a:r>
+            <a:r>
+              <a:rPr lang="pt-BR" dirty="0"/>
+              <a:t>mostra como pode ser feito o tratamento do teclado e do mouse</a:t>
+            </a:r>
+          </a:p>
+        </p:txBody>
+      </p:sp>
+      <p:sp>
+        <p:nvSpPr>
+          <p:cNvPr id="4" name="Espaço Reservado para Número de Slide 3"/>
+          <p:cNvSpPr>
+            <a:spLocks noGrp="1"/>
+          </p:cNvSpPr>
+          <p:nvPr>
+            <p:ph type="sldNum" sz="quarter" idx="5"/>
+          </p:nvPr>
+        </p:nvSpPr>
+        <p:spPr/>
+        <p:txBody>
+          <a:bodyPr/>
+          <a:lstStyle/>
+          <a:p>
+            <a:fld id="{6E9A670B-A0C8-46B4-A2C3-0F9D7276AEB5}" type="slidenum">
+              <a:rPr lang="pt-BR" smtClean="0"/>
               <a:t>15</a:t>
             </a:fld>
             <a:endParaRPr lang="pt-BR"/>
@@ -4272,6 +4684,101 @@
     <p:extLst>
       <p:ext uri="{BB962C8B-B14F-4D97-AF65-F5344CB8AC3E}">
         <p14:creationId xmlns:p14="http://schemas.microsoft.com/office/powerpoint/2010/main" val="3782573043"/>
+      </p:ext>
+    </p:extLst>
+  </p:cSld>
+  <p:clrMapOvr>
+    <a:masterClrMapping/>
+  </p:clrMapOvr>
+</p:notes>
+</file>
+
+<file path=ppt/notesSlides/notesSlide14.xml><?xml version="1.0" encoding="utf-8"?>
+<p:notes xmlns:a="http://schemas.openxmlformats.org/drawingml/2006/main" xmlns:r="http://schemas.openxmlformats.org/officeDocument/2006/relationships" xmlns:p="http://schemas.openxmlformats.org/presentationml/2006/main">
+  <p:cSld>
+    <p:spTree>
+      <p:nvGrpSpPr>
+        <p:cNvPr id="1" name=""/>
+        <p:cNvGrpSpPr/>
+        <p:nvPr/>
+      </p:nvGrpSpPr>
+      <p:grpSpPr>
+        <a:xfrm>
+          <a:off x="0" y="0"/>
+          <a:ext cx="0" cy="0"/>
+          <a:chOff x="0" y="0"/>
+          <a:chExt cx="0" cy="0"/>
+        </a:xfrm>
+      </p:grpSpPr>
+      <p:sp>
+        <p:nvSpPr>
+          <p:cNvPr id="2" name="Espaço Reservado para Imagem de Slide 1"/>
+          <p:cNvSpPr>
+            <a:spLocks noGrp="1" noRot="1" noChangeAspect="1"/>
+          </p:cNvSpPr>
+          <p:nvPr>
+            <p:ph type="sldImg"/>
+          </p:nvPr>
+        </p:nvSpPr>
+        <p:spPr/>
+      </p:sp>
+      <p:sp>
+        <p:nvSpPr>
+          <p:cNvPr id="3" name="Espaço Reservado para Anotações 2"/>
+          <p:cNvSpPr>
+            <a:spLocks noGrp="1"/>
+          </p:cNvSpPr>
+          <p:nvPr>
+            <p:ph type="body" idx="1"/>
+          </p:nvPr>
+        </p:nvSpPr>
+        <p:spPr/>
+        <p:txBody>
+          <a:bodyPr/>
+          <a:lstStyle/>
+          <a:p>
+            <a:r>
+              <a:rPr lang="pt-BR" dirty="0"/>
+              <a:t>Na próxima aula vamos ver como criar um motor gráfico para as nossas aplicações. As aplicações desenham imagens estáticas ou animações em uma janela. As imagens vão precisar ser redesenhadas sempre que forem modificadas e as animações vão precisar ser atualizadas a uma certa frequência. O motor </a:t>
+            </a:r>
+            <a:r>
+              <a:rPr lang="pt-BR"/>
+              <a:t>gráfico vai </a:t>
+            </a:r>
+            <a:r>
+              <a:rPr lang="pt-BR" dirty="0"/>
+              <a:t>controlar a atualização da tela e será mais um componente do nosso framework DXUT.</a:t>
+            </a:r>
+          </a:p>
+        </p:txBody>
+      </p:sp>
+      <p:sp>
+        <p:nvSpPr>
+          <p:cNvPr id="4" name="Espaço Reservado para Número de Slide 3"/>
+          <p:cNvSpPr>
+            <a:spLocks noGrp="1"/>
+          </p:cNvSpPr>
+          <p:nvPr>
+            <p:ph type="sldNum" sz="quarter" idx="5"/>
+          </p:nvPr>
+        </p:nvSpPr>
+        <p:spPr/>
+        <p:txBody>
+          <a:bodyPr/>
+          <a:lstStyle/>
+          <a:p>
+            <a:fld id="{6E9A670B-A0C8-46B4-A2C3-0F9D7276AEB5}" type="slidenum">
+              <a:rPr lang="pt-BR" smtClean="0"/>
+              <a:t>16</a:t>
+            </a:fld>
+            <a:endParaRPr lang="pt-BR"/>
+          </a:p>
+        </p:txBody>
+      </p:sp>
+    </p:spTree>
+    <p:extLst>
+      <p:ext uri="{BB962C8B-B14F-4D97-AF65-F5344CB8AC3E}">
+        <p14:creationId xmlns:p14="http://schemas.microsoft.com/office/powerpoint/2010/main" val="2791117249"/>
       </p:ext>
     </p:extLst>
   </p:cSld>
@@ -4327,39 +4834,7 @@
           <a:p>
             <a:r>
               <a:rPr lang="pt-BR" dirty="0"/>
-              <a:t>Vamos focar em </a:t>
-            </a:r>
-            <a:r>
-              <a:rPr lang="pt-BR" b="1" dirty="0"/>
-              <a:t>teclado</a:t>
-            </a:r>
-            <a:r>
-              <a:rPr lang="pt-BR" dirty="0"/>
-              <a:t> e </a:t>
-            </a:r>
-            <a:r>
-              <a:rPr lang="pt-BR" b="1" dirty="0"/>
-              <a:t>mouse</a:t>
-            </a:r>
-            <a:r>
-              <a:rPr lang="pt-BR" dirty="0"/>
-              <a:t>. As </a:t>
-            </a:r>
-            <a:r>
-              <a:rPr lang="pt-BR" b="1" dirty="0"/>
-              <a:t>telas de toque</a:t>
-            </a:r>
-            <a:r>
-              <a:rPr lang="pt-BR" dirty="0"/>
-              <a:t> não precisam de tratamento especial para o registro do toque como um click do mouse. O </a:t>
-            </a:r>
-            <a:r>
-              <a:rPr lang="pt-BR" b="1" dirty="0"/>
-              <a:t>controle</a:t>
-            </a:r>
-            <a:r>
-              <a:rPr lang="pt-BR" dirty="0"/>
-              <a:t> é mais usado para jogos e não é o foco da disciplina.</a:t>
+              <a:t>Para a construção de programas gráficos interativos, é preciso saber ler os dispositivos de entrada (mouse, teclado e controle).</a:t>
             </a:r>
           </a:p>
         </p:txBody>
@@ -4381,7 +4856,7 @@
           <a:p>
             <a:fld id="{6E9A670B-A0C8-46B4-A2C3-0F9D7276AEB5}" type="slidenum">
               <a:rPr lang="pt-BR" smtClean="0"/>
-              <a:t>3</a:t>
+              <a:t>2</a:t>
             </a:fld>
             <a:endParaRPr lang="pt-BR"/>
           </a:p>
@@ -4390,7 +4865,7 @@
     </p:spTree>
     <p:extLst>
       <p:ext uri="{BB962C8B-B14F-4D97-AF65-F5344CB8AC3E}">
-        <p14:creationId xmlns:p14="http://schemas.microsoft.com/office/powerpoint/2010/main" val="2137856998"/>
+        <p14:creationId xmlns:p14="http://schemas.microsoft.com/office/powerpoint/2010/main" val="4150370940"/>
       </p:ext>
     </p:extLst>
   </p:cSld>
@@ -4446,7 +4921,39 @@
           <a:p>
             <a:r>
               <a:rPr lang="pt-BR" dirty="0"/>
-              <a:t>Esse driver é genérico para teclados simples.</a:t>
+              <a:t>Vamos focar em </a:t>
+            </a:r>
+            <a:r>
+              <a:rPr lang="pt-BR" b="1" dirty="0"/>
+              <a:t>teclado</a:t>
+            </a:r>
+            <a:r>
+              <a:rPr lang="pt-BR" dirty="0"/>
+              <a:t> e </a:t>
+            </a:r>
+            <a:r>
+              <a:rPr lang="pt-BR" b="1" dirty="0"/>
+              <a:t>mouse</a:t>
+            </a:r>
+            <a:r>
+              <a:rPr lang="pt-BR" dirty="0"/>
+              <a:t>. As </a:t>
+            </a:r>
+            <a:r>
+              <a:rPr lang="pt-BR" b="1" dirty="0"/>
+              <a:t>telas de toque</a:t>
+            </a:r>
+            <a:r>
+              <a:rPr lang="pt-BR" dirty="0"/>
+              <a:t> não precisam de tratamento especial para o registro do toque como um click do mouse. O </a:t>
+            </a:r>
+            <a:r>
+              <a:rPr lang="pt-BR" b="1" dirty="0"/>
+              <a:t>controle</a:t>
+            </a:r>
+            <a:r>
+              <a:rPr lang="pt-BR" dirty="0"/>
+              <a:t> é mais usado para jogos e não é o foco da disciplina.</a:t>
             </a:r>
           </a:p>
         </p:txBody>
@@ -4468,7 +4975,7 @@
           <a:p>
             <a:fld id="{6E9A670B-A0C8-46B4-A2C3-0F9D7276AEB5}" type="slidenum">
               <a:rPr lang="pt-BR" smtClean="0"/>
-              <a:t>4</a:t>
+              <a:t>3</a:t>
             </a:fld>
             <a:endParaRPr lang="pt-BR"/>
           </a:p>
@@ -4477,7 +4984,7 @@
     </p:spTree>
     <p:extLst>
       <p:ext uri="{BB962C8B-B14F-4D97-AF65-F5344CB8AC3E}">
-        <p14:creationId xmlns:p14="http://schemas.microsoft.com/office/powerpoint/2010/main" val="3472925194"/>
+        <p14:creationId xmlns:p14="http://schemas.microsoft.com/office/powerpoint/2010/main" val="2137856998"/>
       </p:ext>
     </p:extLst>
   </p:cSld>
@@ -4531,50 +5038,9 @@
           <a:bodyPr/>
           <a:lstStyle/>
           <a:p>
-            <a:pPr marL="0" marR="0" lvl="0" indent="0" algn="l" defTabSz="914400" rtl="0" eaLnBrk="1" fontAlgn="auto" latinLnBrk="0" hangingPunct="1">
-              <a:lnSpc>
-                <a:spcPct val="100000"/>
-              </a:lnSpc>
-              <a:spcBef>
-                <a:spcPts val="0"/>
-              </a:spcBef>
-              <a:spcAft>
-                <a:spcPts val="0"/>
-              </a:spcAft>
-              <a:buClrTx/>
-              <a:buSzTx/>
-              <a:buFontTx/>
-              <a:buNone/>
-              <a:tabLst/>
-              <a:defRPr/>
-            </a:pPr>
             <a:r>
               <a:rPr lang="pt-BR" dirty="0"/>
-              <a:t>O driver do teclado transforma um </a:t>
-            </a:r>
-            <a:r>
-              <a:rPr lang="pt-BR" dirty="0" err="1"/>
-              <a:t>scan</a:t>
-            </a:r>
-            <a:r>
-              <a:rPr lang="pt-BR" dirty="0"/>
-              <a:t> </a:t>
-            </a:r>
-            <a:r>
-              <a:rPr lang="pt-BR" dirty="0" err="1"/>
-              <a:t>code</a:t>
-            </a:r>
-            <a:r>
-              <a:rPr lang="pt-BR" dirty="0"/>
-              <a:t> em um VK </a:t>
-            </a:r>
-            <a:r>
-              <a:rPr lang="pt-BR" dirty="0" err="1"/>
-              <a:t>code</a:t>
-            </a:r>
-            <a:r>
-              <a:rPr lang="pt-BR" dirty="0"/>
-              <a:t>, que é então inserido em uma mensagem que chega até a janela da aplicação. </a:t>
+              <a:t>Esse driver é genérico para teclados simples.</a:t>
             </a:r>
           </a:p>
         </p:txBody>
@@ -4596,7 +5062,7 @@
           <a:p>
             <a:fld id="{6E9A670B-A0C8-46B4-A2C3-0F9D7276AEB5}" type="slidenum">
               <a:rPr lang="pt-BR" smtClean="0"/>
-              <a:t>5</a:t>
+              <a:t>4</a:t>
             </a:fld>
             <a:endParaRPr lang="pt-BR"/>
           </a:p>
@@ -4605,7 +5071,7 @@
     </p:spTree>
     <p:extLst>
       <p:ext uri="{BB962C8B-B14F-4D97-AF65-F5344CB8AC3E}">
-        <p14:creationId xmlns:p14="http://schemas.microsoft.com/office/powerpoint/2010/main" val="2326044369"/>
+        <p14:creationId xmlns:p14="http://schemas.microsoft.com/office/powerpoint/2010/main" val="3472925194"/>
       </p:ext>
     </p:extLst>
   </p:cSld>
@@ -4659,51 +5125,51 @@
           <a:bodyPr/>
           <a:lstStyle/>
           <a:p>
+            <a:pPr marL="0" marR="0" lvl="0" indent="0" algn="l" defTabSz="914400" rtl="0" eaLnBrk="1" fontAlgn="auto" latinLnBrk="0" hangingPunct="1">
+              <a:lnSpc>
+                <a:spcPct val="100000"/>
+              </a:lnSpc>
+              <a:spcBef>
+                <a:spcPts val="0"/>
+              </a:spcBef>
+              <a:spcAft>
+                <a:spcPts val="0"/>
+              </a:spcAft>
+              <a:buClrTx/>
+              <a:buSzTx/>
+              <a:buFontTx/>
+              <a:buNone/>
+              <a:tabLst/>
+              <a:defRPr/>
+            </a:pPr>
             <a:r>
               <a:rPr lang="pt-BR" dirty="0"/>
-              <a:t>- </a:t>
-            </a:r>
-            <a:r>
-              <a:rPr lang="pt-BR" b="1" dirty="0"/>
-              <a:t>WM_SYSKEYDOWN</a:t>
+              <a:t>O driver do teclado transforma um </a:t>
+            </a:r>
+            <a:r>
+              <a:rPr lang="pt-BR" dirty="0" err="1"/>
+              <a:t>scan</a:t>
             </a:r>
             <a:r>
               <a:rPr lang="pt-BR" dirty="0"/>
-              <a:t> e </a:t>
-            </a:r>
-            <a:r>
-              <a:rPr lang="pt-BR" b="1" dirty="0"/>
-              <a:t>WM_SYSKEYUP</a:t>
+              <a:t> </a:t>
+            </a:r>
+            <a:r>
+              <a:rPr lang="pt-BR" dirty="0" err="1"/>
+              <a:t>code</a:t>
             </a:r>
             <a:r>
               <a:rPr lang="pt-BR" dirty="0"/>
-              <a:t> são geradas </a:t>
-            </a:r>
-            <a:r>
-              <a:rPr lang="pt-BR" baseline="0" dirty="0"/>
-              <a:t>quando o usuário faz uso da tecla </a:t>
-            </a:r>
-            <a:r>
-              <a:rPr lang="pt-BR" baseline="0" dirty="0" err="1"/>
-              <a:t>Alt</a:t>
-            </a:r>
-            <a:r>
-              <a:rPr lang="pt-BR" baseline="0" dirty="0"/>
-              <a:t> ou quando nenhuma janela possui o foco (todas minimizadas por exemplo).</a:t>
-            </a:r>
-          </a:p>
-          <a:p>
-            <a:r>
-              <a:rPr lang="pt-BR" baseline="0" dirty="0"/>
-              <a:t>- Segurar uma tecla além do tempo de repetição causa a geração de várias mensagens KEYDOWN e apenas uma KEYUP.</a:t>
-            </a:r>
-            <a:endParaRPr lang="pt-BR" dirty="0"/>
-          </a:p>
-          <a:p>
-            <a:endParaRPr lang="pt-BR" baseline="0" dirty="0"/>
-          </a:p>
-          <a:p>
-            <a:endParaRPr lang="pt-BR" dirty="0"/>
+              <a:t> em um VK </a:t>
+            </a:r>
+            <a:r>
+              <a:rPr lang="pt-BR" dirty="0" err="1"/>
+              <a:t>code</a:t>
+            </a:r>
+            <a:r>
+              <a:rPr lang="pt-BR" dirty="0"/>
+              <a:t>, que é então inserido em uma mensagem que chega até a janela da aplicação. </a:t>
+            </a:r>
           </a:p>
         </p:txBody>
       </p:sp>
@@ -4724,7 +5190,7 @@
           <a:p>
             <a:fld id="{6E9A670B-A0C8-46B4-A2C3-0F9D7276AEB5}" type="slidenum">
               <a:rPr lang="pt-BR" smtClean="0"/>
-              <a:t>6</a:t>
+              <a:t>5</a:t>
             </a:fld>
             <a:endParaRPr lang="pt-BR"/>
           </a:p>
@@ -4733,7 +5199,7 @@
     </p:spTree>
     <p:extLst>
       <p:ext uri="{BB962C8B-B14F-4D97-AF65-F5344CB8AC3E}">
-        <p14:creationId xmlns:p14="http://schemas.microsoft.com/office/powerpoint/2010/main" val="2984804435"/>
+        <p14:creationId xmlns:p14="http://schemas.microsoft.com/office/powerpoint/2010/main" val="2326044369"/>
       </p:ext>
     </p:extLst>
   </p:cSld>
@@ -4788,17 +5254,45 @@
           <a:lstStyle/>
           <a:p>
             <a:r>
-              <a:rPr lang="pt-BR" dirty="0" err="1"/>
-              <a:t>winuser.h</a:t>
-            </a:r>
-            <a:r>
               <a:rPr lang="pt-BR" dirty="0"/>
-              <a:t> é um dos arquivos incluídos por </a:t>
-            </a:r>
-            <a:r>
-              <a:rPr lang="pt-BR" dirty="0" err="1"/>
-              <a:t>windows.h</a:t>
-            </a:r>
+              <a:t>- </a:t>
+            </a:r>
+            <a:r>
+              <a:rPr lang="pt-BR" b="1" dirty="0"/>
+              <a:t>WM_SYSKEYDOWN</a:t>
+            </a:r>
+            <a:r>
+              <a:rPr lang="pt-BR" dirty="0"/>
+              <a:t> e </a:t>
+            </a:r>
+            <a:r>
+              <a:rPr lang="pt-BR" b="1" dirty="0"/>
+              <a:t>WM_SYSKEYUP</a:t>
+            </a:r>
+            <a:r>
+              <a:rPr lang="pt-BR" dirty="0"/>
+              <a:t> são geradas </a:t>
+            </a:r>
+            <a:r>
+              <a:rPr lang="pt-BR" baseline="0" dirty="0"/>
+              <a:t>quando o usuário faz uso da tecla </a:t>
+            </a:r>
+            <a:r>
+              <a:rPr lang="pt-BR" baseline="0" dirty="0" err="1"/>
+              <a:t>Alt</a:t>
+            </a:r>
+            <a:r>
+              <a:rPr lang="pt-BR" baseline="0" dirty="0"/>
+              <a:t> ou quando nenhuma janela possui o foco (todas minimizadas por exemplo).</a:t>
+            </a:r>
+          </a:p>
+          <a:p>
+            <a:r>
+              <a:rPr lang="pt-BR" baseline="0" dirty="0"/>
+              <a:t>-</a:t>
+            </a:r>
+          </a:p>
+          <a:p>
             <a:endParaRPr lang="pt-BR" dirty="0"/>
           </a:p>
         </p:txBody>
@@ -4820,7 +5314,7 @@
           <a:p>
             <a:fld id="{6E9A670B-A0C8-46B4-A2C3-0F9D7276AEB5}" type="slidenum">
               <a:rPr lang="pt-BR" smtClean="0"/>
-              <a:t>7</a:t>
+              <a:t>6</a:t>
             </a:fld>
             <a:endParaRPr lang="pt-BR"/>
           </a:p>
@@ -4829,7 +5323,7 @@
     </p:spTree>
     <p:extLst>
       <p:ext uri="{BB962C8B-B14F-4D97-AF65-F5344CB8AC3E}">
-        <p14:creationId xmlns:p14="http://schemas.microsoft.com/office/powerpoint/2010/main" val="2503966465"/>
+        <p14:creationId xmlns:p14="http://schemas.microsoft.com/office/powerpoint/2010/main" val="2984804435"/>
       </p:ext>
     </p:extLst>
   </p:cSld>
@@ -4883,53 +5377,18 @@
           <a:bodyPr/>
           <a:lstStyle/>
           <a:p>
-            <a:pPr marL="0" marR="0" lvl="0" indent="0" algn="l" defTabSz="914400" rtl="0" eaLnBrk="1" fontAlgn="auto" latinLnBrk="0" hangingPunct="1">
-              <a:lnSpc>
-                <a:spcPct val="100000"/>
-              </a:lnSpc>
-              <a:spcBef>
-                <a:spcPts val="0"/>
-              </a:spcBef>
-              <a:spcAft>
-                <a:spcPts val="0"/>
-              </a:spcAft>
-              <a:buClrTx/>
-              <a:buSzTx/>
-              <a:buFontTx/>
-              <a:buNone/>
-              <a:tabLst/>
-              <a:defRPr/>
-            </a:pPr>
-            <a:r>
-              <a:rPr lang="pt-BR" sz="1200" dirty="0">
-                <a:solidFill>
-                  <a:schemeClr val="bg1"/>
-                </a:solidFill>
-              </a:rPr>
-              <a:t>» O projeto </a:t>
-            </a:r>
-            <a:r>
-              <a:rPr lang="pt-BR" sz="1200" b="1" dirty="0" err="1">
-                <a:solidFill>
-                  <a:schemeClr val="bg1"/>
-                </a:solidFill>
-              </a:rPr>
-              <a:t>InputKeys</a:t>
-            </a:r>
-            <a:r>
-              <a:rPr lang="pt-BR" sz="1200" b="1" dirty="0">
-                <a:solidFill>
-                  <a:schemeClr val="bg1"/>
-                </a:solidFill>
-              </a:rPr>
-              <a:t> </a:t>
+            <a:r>
+              <a:rPr lang="pt-BR" dirty="0" err="1"/>
+              <a:t>winuser.h</a:t>
             </a:r>
             <a:r>
               <a:rPr lang="pt-BR" dirty="0"/>
-              <a:t>mostra como pode ser feito o tratamento do teclado</a:t>
-            </a:r>
-          </a:p>
-          <a:p>
+              <a:t> é um dos arquivos incluídos por </a:t>
+            </a:r>
+            <a:r>
+              <a:rPr lang="pt-BR" dirty="0" err="1"/>
+              <a:t>windows.h</a:t>
+            </a:r>
             <a:endParaRPr lang="pt-BR" dirty="0"/>
           </a:p>
         </p:txBody>
@@ -4951,7 +5410,7 @@
           <a:p>
             <a:fld id="{6E9A670B-A0C8-46B4-A2C3-0F9D7276AEB5}" type="slidenum">
               <a:rPr lang="pt-BR" smtClean="0"/>
-              <a:t>8</a:t>
+              <a:t>7</a:t>
             </a:fld>
             <a:endParaRPr lang="pt-BR"/>
           </a:p>
@@ -4960,7 +5419,7 @@
     </p:spTree>
     <p:extLst>
       <p:ext uri="{BB962C8B-B14F-4D97-AF65-F5344CB8AC3E}">
-        <p14:creationId xmlns:p14="http://schemas.microsoft.com/office/powerpoint/2010/main" val="1546444198"/>
+        <p14:creationId xmlns:p14="http://schemas.microsoft.com/office/powerpoint/2010/main" val="2503966465"/>
       </p:ext>
     </p:extLst>
   </p:cSld>
@@ -5045,7 +5504,7 @@
                   <a:schemeClr val="bg1"/>
                 </a:solidFill>
               </a:rPr>
-              <a:t>InputFocus</a:t>
+              <a:t>InputKeys</a:t>
             </a:r>
             <a:r>
               <a:rPr lang="pt-BR" sz="1200" b="1" dirty="0">
@@ -5057,8 +5516,11 @@
             </a:r>
             <a:r>
               <a:rPr lang="pt-BR" dirty="0"/>
-              <a:t>mostra a utilização de funções CALLBACK para o tratamento do foco.</a:t>
-            </a:r>
+              <a:t>mostra como pode ser feito o tratamento do teclado</a:t>
+            </a:r>
+          </a:p>
+          <a:p>
+            <a:endParaRPr lang="pt-BR" dirty="0"/>
           </a:p>
         </p:txBody>
       </p:sp>
@@ -5079,7 +5541,7 @@
           <a:p>
             <a:fld id="{6E9A670B-A0C8-46B4-A2C3-0F9D7276AEB5}" type="slidenum">
               <a:rPr lang="pt-BR" smtClean="0"/>
-              <a:t>10</a:t>
+              <a:t>8</a:t>
             </a:fld>
             <a:endParaRPr lang="pt-BR"/>
           </a:p>
@@ -5088,7 +5550,7 @@
     </p:spTree>
     <p:extLst>
       <p:ext uri="{BB962C8B-B14F-4D97-AF65-F5344CB8AC3E}">
-        <p14:creationId xmlns:p14="http://schemas.microsoft.com/office/powerpoint/2010/main" val="1620683318"/>
+        <p14:creationId xmlns:p14="http://schemas.microsoft.com/office/powerpoint/2010/main" val="1546444198"/>
       </p:ext>
     </p:extLst>
   </p:cSld>
@@ -5173,7 +5635,7 @@
                   <a:schemeClr val="bg1"/>
                 </a:solidFill>
               </a:rPr>
-              <a:t>InputText</a:t>
+              <a:t>InputFocus</a:t>
             </a:r>
             <a:r>
               <a:rPr lang="pt-BR" sz="1200" b="1" dirty="0">
@@ -5185,7 +5647,7 @@
             </a:r>
             <a:r>
               <a:rPr lang="pt-BR" dirty="0"/>
-              <a:t>exemplifica o tratamento das mensagens WM_CHAR exibindo em tela o que é digitado pelo teclado.</a:t>
+              <a:t>mostra a utilização de funções CALLBACK para o tratamento do foco.</a:t>
             </a:r>
           </a:p>
         </p:txBody>
@@ -5205,10 +5667,9 @@
           <a:bodyPr/>
           <a:lstStyle/>
           <a:p>
-            <a:fld id="{EF334A8D-C5BE-432D-90D0-92D67DD437AB}" type="slidenum">
+            <a:fld id="{6E9A670B-A0C8-46B4-A2C3-0F9D7276AEB5}" type="slidenum">
               <a:rPr lang="pt-BR" smtClean="0"/>
-              <a:pPr/>
-              <a:t>11</a:t>
+              <a:t>10</a:t>
             </a:fld>
             <a:endParaRPr lang="pt-BR"/>
           </a:p>
@@ -5217,7 +5678,7 @@
     </p:spTree>
     <p:extLst>
       <p:ext uri="{BB962C8B-B14F-4D97-AF65-F5344CB8AC3E}">
-        <p14:creationId xmlns:p14="http://schemas.microsoft.com/office/powerpoint/2010/main" val="157600849"/>
+        <p14:creationId xmlns:p14="http://schemas.microsoft.com/office/powerpoint/2010/main" val="1620683318"/>
       </p:ext>
     </p:extLst>
   </p:cSld>
@@ -5642,7 +6103,7 @@
           <a:p>
             <a:fld id="{48A87A34-81AB-432B-8DAE-1953F412C126}" type="datetimeFigureOut">
               <a:rPr lang="en-US" smtClean="0"/>
-              <a:t>3/17/2020</a:t>
+              <a:t>11/5/2020</a:t>
             </a:fld>
             <a:endParaRPr lang="en-US" dirty="0"/>
           </a:p>
@@ -5880,7 +6341,7 @@
             <a:fld id="{48A87A34-81AB-432B-8DAE-1953F412C126}" type="datetimeFigureOut">
               <a:rPr lang="en-US" smtClean="0"/>
               <a:pPr/>
-              <a:t>3/17/2020</a:t>
+              <a:t>11/5/2020</a:t>
             </a:fld>
             <a:endParaRPr lang="en-US" dirty="0"/>
           </a:p>
@@ -6197,7 +6658,7 @@
             <a:fld id="{48A87A34-81AB-432B-8DAE-1953F412C126}" type="datetimeFigureOut">
               <a:rPr lang="en-US" smtClean="0"/>
               <a:pPr/>
-              <a:t>3/17/2020</a:t>
+              <a:t>11/5/2020</a:t>
             </a:fld>
             <a:endParaRPr lang="en-US" dirty="0"/>
           </a:p>
@@ -6677,7 +7138,7 @@
             <a:fld id="{48A87A34-81AB-432B-8DAE-1953F412C126}" type="datetimeFigureOut">
               <a:rPr lang="en-US" smtClean="0"/>
               <a:pPr/>
-              <a:t>3/17/2020</a:t>
+              <a:t>11/5/2020</a:t>
             </a:fld>
             <a:endParaRPr lang="en-US" dirty="0"/>
           </a:p>
@@ -7229,7 +7690,7 @@
           <a:p>
             <a:fld id="{48A87A34-81AB-432B-8DAE-1953F412C126}" type="datetimeFigureOut">
               <a:rPr lang="en-US" smtClean="0"/>
-              <a:t>3/17/2020</a:t>
+              <a:t>11/5/2020</a:t>
             </a:fld>
             <a:endParaRPr lang="en-US" dirty="0"/>
           </a:p>
@@ -8018,7 +8479,7 @@
           <a:p>
             <a:fld id="{48A87A34-81AB-432B-8DAE-1953F412C126}" type="datetimeFigureOut">
               <a:rPr lang="en-US" smtClean="0"/>
-              <a:t>3/17/2020</a:t>
+              <a:t>11/5/2020</a:t>
             </a:fld>
             <a:endParaRPr lang="en-US" dirty="0"/>
           </a:p>
@@ -8213,7 +8674,7 @@
           <a:p>
             <a:fld id="{48A87A34-81AB-432B-8DAE-1953F412C126}" type="datetimeFigureOut">
               <a:rPr lang="en-US" smtClean="0"/>
-              <a:t>3/17/2020</a:t>
+              <a:t>11/5/2020</a:t>
             </a:fld>
             <a:endParaRPr lang="en-US" dirty="0"/>
           </a:p>
@@ -8453,7 +8914,7 @@
             <a:fld id="{48A87A34-81AB-432B-8DAE-1953F412C126}" type="datetimeFigureOut">
               <a:rPr lang="en-US" smtClean="0"/>
               <a:pPr/>
-              <a:t>3/17/2020</a:t>
+              <a:t>11/5/2020</a:t>
             </a:fld>
             <a:endParaRPr lang="en-US" dirty="0"/>
           </a:p>
@@ -8685,7 +9146,7 @@
           <a:p>
             <a:fld id="{48A87A34-81AB-432B-8DAE-1953F412C126}" type="datetimeFigureOut">
               <a:rPr lang="en-US" smtClean="0"/>
-              <a:t>3/17/2020</a:t>
+              <a:t>11/5/2020</a:t>
             </a:fld>
             <a:endParaRPr lang="en-US" dirty="0"/>
           </a:p>
@@ -8981,7 +9442,7 @@
             <a:fld id="{48A87A34-81AB-432B-8DAE-1953F412C126}" type="datetimeFigureOut">
               <a:rPr lang="en-US" smtClean="0"/>
               <a:pPr/>
-              <a:t>3/17/2020</a:t>
+              <a:t>11/5/2020</a:t>
             </a:fld>
             <a:endParaRPr lang="en-US" dirty="0"/>
           </a:p>
@@ -9237,7 +9698,7 @@
           <a:p>
             <a:fld id="{48A87A34-81AB-432B-8DAE-1953F412C126}" type="datetimeFigureOut">
               <a:rPr lang="en-US" smtClean="0"/>
-              <a:t>3/17/2020</a:t>
+              <a:t>11/5/2020</a:t>
             </a:fld>
             <a:endParaRPr lang="en-US" dirty="0"/>
           </a:p>
@@ -9635,7 +10096,7 @@
           <a:p>
             <a:fld id="{48A87A34-81AB-432B-8DAE-1953F412C126}" type="datetimeFigureOut">
               <a:rPr lang="en-US" smtClean="0"/>
-              <a:t>3/17/2020</a:t>
+              <a:t>11/5/2020</a:t>
             </a:fld>
             <a:endParaRPr lang="en-US" dirty="0"/>
           </a:p>
@@ -9773,7 +10234,7 @@
           <a:p>
             <a:fld id="{48A87A34-81AB-432B-8DAE-1953F412C126}" type="datetimeFigureOut">
               <a:rPr lang="en-US" smtClean="0"/>
-              <a:t>3/17/2020</a:t>
+              <a:t>11/5/2020</a:t>
             </a:fld>
             <a:endParaRPr lang="en-US" dirty="0"/>
           </a:p>
@@ -9878,7 +10339,7 @@
           <a:p>
             <a:fld id="{48A87A34-81AB-432B-8DAE-1953F412C126}" type="datetimeFigureOut">
               <a:rPr lang="en-US" smtClean="0"/>
-              <a:t>3/17/2020</a:t>
+              <a:t>11/5/2020</a:t>
             </a:fld>
             <a:endParaRPr lang="en-US" dirty="0"/>
           </a:p>
@@ -10127,7 +10588,7 @@
           <a:p>
             <a:fld id="{48A87A34-81AB-432B-8DAE-1953F412C126}" type="datetimeFigureOut">
               <a:rPr lang="en-US" smtClean="0"/>
-              <a:t>3/17/2020</a:t>
+              <a:t>11/5/2020</a:t>
             </a:fld>
             <a:endParaRPr lang="en-US" dirty="0"/>
           </a:p>
@@ -10384,7 +10845,7 @@
           <a:p>
             <a:fld id="{48A87A34-81AB-432B-8DAE-1953F412C126}" type="datetimeFigureOut">
               <a:rPr lang="en-US" smtClean="0"/>
-              <a:t>3/17/2020</a:t>
+              <a:t>11/5/2020</a:t>
             </a:fld>
             <a:endParaRPr lang="en-US" dirty="0"/>
           </a:p>
@@ -10634,7 +11095,7 @@
             <a:fld id="{48A87A34-81AB-432B-8DAE-1953F412C126}" type="datetimeFigureOut">
               <a:rPr lang="en-US" smtClean="0"/>
               <a:pPr/>
-              <a:t>3/17/2020</a:t>
+              <a:t>11/5/2020</a:t>
             </a:fld>
             <a:endParaRPr lang="en-US" dirty="0"/>
           </a:p>
@@ -11285,6 +11746,42 @@
               <a:t> </a:t>
             </a:r>
             <a:r>
+              <a:rPr lang="pt-BR" sz="1400" dirty="0">
+                <a:solidFill>
+                  <a:schemeClr val="tx1">
+                    <a:lumMod val="75000"/>
+                  </a:schemeClr>
+                </a:solidFill>
+                <a:latin typeface="Consolas" pitchFamily="49" charset="0"/>
+                <a:cs typeface="Consolas" pitchFamily="49" charset="0"/>
+              </a:rPr>
+              <a:t>msg</a:t>
+            </a:r>
+            <a:r>
+              <a:rPr lang="pt-BR" sz="1400" dirty="0">
+                <a:latin typeface="Consolas" pitchFamily="49" charset="0"/>
+                <a:cs typeface="Consolas" pitchFamily="49" charset="0"/>
+              </a:rPr>
+              <a:t>, </a:t>
+            </a:r>
+            <a:r>
+              <a:rPr lang="pt-BR" sz="1400" dirty="0">
+                <a:solidFill>
+                  <a:schemeClr val="accent1"/>
+                </a:solidFill>
+                <a:latin typeface="Consolas" pitchFamily="49" charset="0"/>
+                <a:cs typeface="Consolas" pitchFamily="49" charset="0"/>
+              </a:rPr>
+              <a:t>WPARAM</a:t>
+            </a:r>
+            <a:r>
+              <a:rPr lang="pt-BR" sz="1400" dirty="0">
+                <a:latin typeface="Consolas" pitchFamily="49" charset="0"/>
+                <a:cs typeface="Consolas" pitchFamily="49" charset="0"/>
+              </a:rPr>
+              <a:t> </a:t>
+            </a:r>
+            <a:r>
               <a:rPr lang="pt-BR" sz="1400" dirty="0" err="1">
                 <a:solidFill>
                   <a:schemeClr val="tx1">
@@ -11294,7 +11791,7 @@
                 <a:latin typeface="Consolas" pitchFamily="49" charset="0"/>
                 <a:cs typeface="Consolas" pitchFamily="49" charset="0"/>
               </a:rPr>
-              <a:t>message</a:t>
+              <a:t>wParam</a:t>
             </a:r>
             <a:r>
               <a:rPr lang="pt-BR" sz="1400" dirty="0">
@@ -11311,7 +11808,7 @@
                 <a:latin typeface="Consolas" pitchFamily="49" charset="0"/>
                 <a:cs typeface="Consolas" pitchFamily="49" charset="0"/>
               </a:rPr>
-              <a:t>WPARAM</a:t>
+              <a:t>LPARAM</a:t>
             </a:r>
             <a:r>
               <a:rPr lang="pt-BR" sz="1400" dirty="0">
@@ -11330,14 +11827,36 @@
                 <a:latin typeface="Consolas" pitchFamily="49" charset="0"/>
                 <a:cs typeface="Consolas" pitchFamily="49" charset="0"/>
               </a:rPr>
-              <a:t>wParam</a:t>
+              <a:t>lParam</a:t>
             </a:r>
             <a:r>
               <a:rPr lang="pt-BR" sz="1400" dirty="0">
                 <a:latin typeface="Consolas" pitchFamily="49" charset="0"/>
                 <a:cs typeface="Consolas" pitchFamily="49" charset="0"/>
               </a:rPr>
-              <a:t>, </a:t>
+              <a:t>) </a:t>
+            </a:r>
+          </a:p>
+          <a:p>
+            <a:r>
+              <a:rPr lang="pt-BR" sz="1400" dirty="0">
+                <a:latin typeface="Consolas" pitchFamily="49" charset="0"/>
+                <a:cs typeface="Consolas" pitchFamily="49" charset="0"/>
+              </a:rPr>
+              <a:t>{    </a:t>
+            </a:r>
+            <a:br>
+              <a:rPr lang="pt-BR" sz="1400" dirty="0">
+                <a:latin typeface="Consolas" pitchFamily="49" charset="0"/>
+                <a:cs typeface="Consolas" pitchFamily="49" charset="0"/>
+              </a:rPr>
+            </a:br>
+            <a:r>
+              <a:rPr lang="pt-BR" sz="1400" dirty="0">
+                <a:latin typeface="Consolas" pitchFamily="49" charset="0"/>
+                <a:cs typeface="Consolas" pitchFamily="49" charset="0"/>
+              </a:rPr>
+              <a:t>     </a:t>
             </a:r>
             <a:r>
               <a:rPr lang="pt-BR" sz="1400" dirty="0">
@@ -11347,86 +11866,14 @@
                 <a:latin typeface="Consolas" pitchFamily="49" charset="0"/>
                 <a:cs typeface="Consolas" pitchFamily="49" charset="0"/>
               </a:rPr>
-              <a:t>LPARAM</a:t>
+              <a:t>switch</a:t>
             </a:r>
             <a:r>
               <a:rPr lang="pt-BR" sz="1400" dirty="0">
                 <a:latin typeface="Consolas" pitchFamily="49" charset="0"/>
                 <a:cs typeface="Consolas" pitchFamily="49" charset="0"/>
               </a:rPr>
-              <a:t> </a:t>
-            </a:r>
-            <a:r>
-              <a:rPr lang="pt-BR" sz="1400" dirty="0" err="1">
-                <a:solidFill>
-                  <a:schemeClr val="tx1">
-                    <a:lumMod val="75000"/>
-                  </a:schemeClr>
-                </a:solidFill>
-                <a:latin typeface="Consolas" pitchFamily="49" charset="0"/>
-                <a:cs typeface="Consolas" pitchFamily="49" charset="0"/>
-              </a:rPr>
-              <a:t>lParam</a:t>
-            </a:r>
-            <a:r>
-              <a:rPr lang="pt-BR" sz="1400" dirty="0">
-                <a:latin typeface="Consolas" pitchFamily="49" charset="0"/>
-                <a:cs typeface="Consolas" pitchFamily="49" charset="0"/>
-              </a:rPr>
-              <a:t>) </a:t>
-            </a:r>
-          </a:p>
-          <a:p>
-            <a:r>
-              <a:rPr lang="pt-BR" sz="1400" dirty="0">
-                <a:latin typeface="Consolas" pitchFamily="49" charset="0"/>
-                <a:cs typeface="Consolas" pitchFamily="49" charset="0"/>
-              </a:rPr>
-              <a:t>{    </a:t>
-            </a:r>
-            <a:br>
-              <a:rPr lang="pt-BR" sz="1400" dirty="0">
-                <a:latin typeface="Consolas" pitchFamily="49" charset="0"/>
-                <a:cs typeface="Consolas" pitchFamily="49" charset="0"/>
-              </a:rPr>
-            </a:br>
-            <a:r>
-              <a:rPr lang="pt-BR" sz="1400" dirty="0">
-                <a:latin typeface="Consolas" pitchFamily="49" charset="0"/>
-                <a:cs typeface="Consolas" pitchFamily="49" charset="0"/>
-              </a:rPr>
-              <a:t>     </a:t>
-            </a:r>
-            <a:r>
-              <a:rPr lang="pt-BR" sz="1400" dirty="0">
-                <a:solidFill>
-                  <a:schemeClr val="accent1"/>
-                </a:solidFill>
-                <a:latin typeface="Consolas" pitchFamily="49" charset="0"/>
-                <a:cs typeface="Consolas" pitchFamily="49" charset="0"/>
-              </a:rPr>
-              <a:t>switch</a:t>
-            </a:r>
-            <a:r>
-              <a:rPr lang="pt-BR" sz="1400" dirty="0">
-                <a:latin typeface="Consolas" pitchFamily="49" charset="0"/>
-                <a:cs typeface="Consolas" pitchFamily="49" charset="0"/>
-              </a:rPr>
-              <a:t> (</a:t>
-            </a:r>
-            <a:r>
-              <a:rPr lang="pt-BR" sz="1400" dirty="0" err="1">
-                <a:latin typeface="Consolas" pitchFamily="49" charset="0"/>
-                <a:cs typeface="Consolas" pitchFamily="49" charset="0"/>
-              </a:rPr>
-              <a:t>message</a:t>
-            </a:r>
-            <a:r>
-              <a:rPr lang="pt-BR" sz="1400" dirty="0">
-                <a:latin typeface="Consolas" pitchFamily="49" charset="0"/>
-                <a:cs typeface="Consolas" pitchFamily="49" charset="0"/>
-              </a:rPr>
-              <a:t>) </a:t>
+              <a:t> (msg) </a:t>
             </a:r>
             <a:br>
               <a:rPr lang="pt-BR" sz="1400" dirty="0">
@@ -11723,7 +12170,7 @@
               <a:t>, </a:t>
             </a:r>
             <a:r>
-              <a:rPr lang="pt-BR" sz="1400" dirty="0" err="1">
+              <a:rPr lang="pt-BR" sz="1400" dirty="0">
                 <a:solidFill>
                   <a:schemeClr val="tx1">
                     <a:lumMod val="75000"/>
@@ -11732,7 +12179,7 @@
                 <a:latin typeface="Consolas" pitchFamily="49" charset="0"/>
                 <a:cs typeface="Consolas" pitchFamily="49" charset="0"/>
               </a:rPr>
-              <a:t>message</a:t>
+              <a:t>msg</a:t>
             </a:r>
             <a:r>
               <a:rPr lang="pt-BR" sz="1400" dirty="0">
@@ -12892,7 +13339,7 @@
             </a:r>
             <a:r>
               <a:rPr lang="pt-BR" dirty="0"/>
-              <a:t> da mensagem </a:t>
+              <a:t> de </a:t>
             </a:r>
             <a:r>
               <a:rPr lang="pt-BR" b="1" dirty="0"/>
@@ -13024,6 +13471,42 @@
               <a:t> </a:t>
             </a:r>
             <a:r>
+              <a:rPr lang="pt-BR" sz="1400" dirty="0">
+                <a:solidFill>
+                  <a:schemeClr val="tx1">
+                    <a:lumMod val="75000"/>
+                  </a:schemeClr>
+                </a:solidFill>
+                <a:latin typeface="Consolas" pitchFamily="49" charset="0"/>
+                <a:cs typeface="Consolas" pitchFamily="49" charset="0"/>
+              </a:rPr>
+              <a:t>msg</a:t>
+            </a:r>
+            <a:r>
+              <a:rPr lang="pt-BR" sz="1400" dirty="0">
+                <a:latin typeface="Consolas" pitchFamily="49" charset="0"/>
+                <a:cs typeface="Consolas" pitchFamily="49" charset="0"/>
+              </a:rPr>
+              <a:t>, </a:t>
+            </a:r>
+            <a:r>
+              <a:rPr lang="pt-BR" sz="1400" dirty="0">
+                <a:solidFill>
+                  <a:schemeClr val="accent1"/>
+                </a:solidFill>
+                <a:latin typeface="Consolas" pitchFamily="49" charset="0"/>
+                <a:cs typeface="Consolas" pitchFamily="49" charset="0"/>
+              </a:rPr>
+              <a:t>WPARAM</a:t>
+            </a:r>
+            <a:r>
+              <a:rPr lang="pt-BR" sz="1400" dirty="0">
+                <a:latin typeface="Consolas" pitchFamily="49" charset="0"/>
+                <a:cs typeface="Consolas" pitchFamily="49" charset="0"/>
+              </a:rPr>
+              <a:t> </a:t>
+            </a:r>
+            <a:r>
               <a:rPr lang="pt-BR" sz="1400" dirty="0" err="1">
                 <a:solidFill>
                   <a:schemeClr val="tx1">
@@ -13033,7 +13516,7 @@
                 <a:latin typeface="Consolas" pitchFamily="49" charset="0"/>
                 <a:cs typeface="Consolas" pitchFamily="49" charset="0"/>
               </a:rPr>
-              <a:t>message</a:t>
+              <a:t>wParam</a:t>
             </a:r>
             <a:r>
               <a:rPr lang="pt-BR" sz="1400" dirty="0">
@@ -13050,7 +13533,7 @@
                 <a:latin typeface="Consolas" pitchFamily="49" charset="0"/>
                 <a:cs typeface="Consolas" pitchFamily="49" charset="0"/>
               </a:rPr>
-              <a:t>WPARAM</a:t>
+              <a:t>LPARAM</a:t>
             </a:r>
             <a:r>
               <a:rPr lang="pt-BR" sz="1400" dirty="0">
@@ -13069,14 +13552,32 @@
                 <a:latin typeface="Consolas" pitchFamily="49" charset="0"/>
                 <a:cs typeface="Consolas" pitchFamily="49" charset="0"/>
               </a:rPr>
-              <a:t>wParam</a:t>
+              <a:t>lParam</a:t>
             </a:r>
             <a:r>
               <a:rPr lang="pt-BR" sz="1400" dirty="0">
                 <a:latin typeface="Consolas" pitchFamily="49" charset="0"/>
                 <a:cs typeface="Consolas" pitchFamily="49" charset="0"/>
               </a:rPr>
-              <a:t>, </a:t>
+              <a:t>) </a:t>
+            </a:r>
+          </a:p>
+          <a:p>
+            <a:r>
+              <a:rPr lang="pt-BR" sz="1400" dirty="0">
+                <a:latin typeface="Consolas" pitchFamily="49" charset="0"/>
+                <a:cs typeface="Consolas" pitchFamily="49" charset="0"/>
+              </a:rPr>
+              <a:t>{  </a:t>
+            </a:r>
+          </a:p>
+          <a:p>
+            <a:r>
+              <a:rPr lang="pt-BR" sz="1400" dirty="0">
+                <a:latin typeface="Consolas" pitchFamily="49" charset="0"/>
+                <a:cs typeface="Consolas" pitchFamily="49" charset="0"/>
+              </a:rPr>
+              <a:t>     </a:t>
             </a:r>
             <a:r>
               <a:rPr lang="pt-BR" sz="1400" dirty="0">
@@ -13086,17 +13587,17 @@
                 <a:latin typeface="Consolas" pitchFamily="49" charset="0"/>
                 <a:cs typeface="Consolas" pitchFamily="49" charset="0"/>
               </a:rPr>
-              <a:t>LPARAM</a:t>
+              <a:t>switch</a:t>
             </a:r>
             <a:r>
               <a:rPr lang="pt-BR" sz="1400" dirty="0">
                 <a:latin typeface="Consolas" pitchFamily="49" charset="0"/>
                 <a:cs typeface="Consolas" pitchFamily="49" charset="0"/>
               </a:rPr>
-              <a:t> </a:t>
-            </a:r>
-            <a:r>
-              <a:rPr lang="pt-BR" sz="1400" dirty="0" err="1">
+              <a:t> (</a:t>
+            </a:r>
+            <a:r>
+              <a:rPr lang="pt-BR" sz="1400" dirty="0">
                 <a:solidFill>
                   <a:schemeClr val="tx1">
                     <a:lumMod val="75000"/>
@@ -13105,61 +13606,7 @@
                 <a:latin typeface="Consolas" pitchFamily="49" charset="0"/>
                 <a:cs typeface="Consolas" pitchFamily="49" charset="0"/>
               </a:rPr>
-              <a:t>lParam</a:t>
-            </a:r>
-            <a:r>
-              <a:rPr lang="pt-BR" sz="1400" dirty="0">
-                <a:latin typeface="Consolas" pitchFamily="49" charset="0"/>
-                <a:cs typeface="Consolas" pitchFamily="49" charset="0"/>
-              </a:rPr>
-              <a:t>) </a:t>
-            </a:r>
-          </a:p>
-          <a:p>
-            <a:r>
-              <a:rPr lang="pt-BR" sz="1400" dirty="0">
-                <a:latin typeface="Consolas" pitchFamily="49" charset="0"/>
-                <a:cs typeface="Consolas" pitchFamily="49" charset="0"/>
-              </a:rPr>
-              <a:t>{  </a:t>
-            </a:r>
-          </a:p>
-          <a:p>
-            <a:r>
-              <a:rPr lang="pt-BR" sz="1400" dirty="0">
-                <a:latin typeface="Consolas" pitchFamily="49" charset="0"/>
-                <a:cs typeface="Consolas" pitchFamily="49" charset="0"/>
-              </a:rPr>
-              <a:t>     </a:t>
-            </a:r>
-            <a:r>
-              <a:rPr lang="pt-BR" sz="1400" dirty="0">
-                <a:solidFill>
-                  <a:schemeClr val="accent1"/>
-                </a:solidFill>
-                <a:latin typeface="Consolas" pitchFamily="49" charset="0"/>
-                <a:cs typeface="Consolas" pitchFamily="49" charset="0"/>
-              </a:rPr>
-              <a:t>switch</a:t>
-            </a:r>
-            <a:r>
-              <a:rPr lang="pt-BR" sz="1400" dirty="0">
-                <a:latin typeface="Consolas" pitchFamily="49" charset="0"/>
-                <a:cs typeface="Consolas" pitchFamily="49" charset="0"/>
-              </a:rPr>
-              <a:t> (</a:t>
-            </a:r>
-            <a:r>
-              <a:rPr lang="pt-BR" sz="1400" dirty="0" err="1">
-                <a:solidFill>
-                  <a:schemeClr val="tx1">
-                    <a:lumMod val="75000"/>
-                  </a:schemeClr>
-                </a:solidFill>
-                <a:latin typeface="Consolas" pitchFamily="49" charset="0"/>
-                <a:cs typeface="Consolas" pitchFamily="49" charset="0"/>
-              </a:rPr>
-              <a:t>message</a:t>
+              <a:t>msg</a:t>
             </a:r>
             <a:r>
               <a:rPr lang="pt-BR" sz="1400" dirty="0">
@@ -13443,7 +13890,7 @@
               <a:t>, </a:t>
             </a:r>
             <a:r>
-              <a:rPr lang="pt-BR" sz="1400" dirty="0" err="1">
+              <a:rPr lang="pt-BR" sz="1400" dirty="0">
                 <a:solidFill>
                   <a:schemeClr val="tx1">
                     <a:lumMod val="75000"/>
@@ -13452,7 +13899,7 @@
                 <a:latin typeface="Consolas" pitchFamily="49" charset="0"/>
                 <a:cs typeface="Consolas" pitchFamily="49" charset="0"/>
               </a:rPr>
-              <a:t>message</a:t>
+              <a:t>msg</a:t>
             </a:r>
             <a:r>
               <a:rPr lang="pt-BR" sz="1400" dirty="0">
@@ -13736,6 +14183,42 @@
               <a:t> </a:t>
             </a:r>
             <a:r>
+              <a:rPr lang="pt-BR" sz="1400" dirty="0">
+                <a:solidFill>
+                  <a:schemeClr val="tx1">
+                    <a:lumMod val="75000"/>
+                  </a:schemeClr>
+                </a:solidFill>
+                <a:latin typeface="Consolas" pitchFamily="49" charset="0"/>
+                <a:cs typeface="Consolas" pitchFamily="49" charset="0"/>
+              </a:rPr>
+              <a:t>msg</a:t>
+            </a:r>
+            <a:r>
+              <a:rPr lang="pt-BR" sz="1400" dirty="0">
+                <a:latin typeface="Consolas" pitchFamily="49" charset="0"/>
+                <a:cs typeface="Consolas" pitchFamily="49" charset="0"/>
+              </a:rPr>
+              <a:t>, </a:t>
+            </a:r>
+            <a:r>
+              <a:rPr lang="pt-BR" sz="1400" dirty="0">
+                <a:solidFill>
+                  <a:schemeClr val="accent1"/>
+                </a:solidFill>
+                <a:latin typeface="Consolas" pitchFamily="49" charset="0"/>
+                <a:cs typeface="Consolas" pitchFamily="49" charset="0"/>
+              </a:rPr>
+              <a:t>WPARAM</a:t>
+            </a:r>
+            <a:r>
+              <a:rPr lang="pt-BR" sz="1400" dirty="0">
+                <a:latin typeface="Consolas" pitchFamily="49" charset="0"/>
+                <a:cs typeface="Consolas" pitchFamily="49" charset="0"/>
+              </a:rPr>
+              <a:t> </a:t>
+            </a:r>
+            <a:r>
               <a:rPr lang="pt-BR" sz="1400" dirty="0" err="1">
                 <a:solidFill>
                   <a:schemeClr val="tx1">
@@ -13745,7 +14228,7 @@
                 <a:latin typeface="Consolas" pitchFamily="49" charset="0"/>
                 <a:cs typeface="Consolas" pitchFamily="49" charset="0"/>
               </a:rPr>
-              <a:t>message</a:t>
+              <a:t>wParam</a:t>
             </a:r>
             <a:r>
               <a:rPr lang="pt-BR" sz="1400" dirty="0">
@@ -13762,7 +14245,7 @@
                 <a:latin typeface="Consolas" pitchFamily="49" charset="0"/>
                 <a:cs typeface="Consolas" pitchFamily="49" charset="0"/>
               </a:rPr>
-              <a:t>WPARAM</a:t>
+              <a:t>LPARAM</a:t>
             </a:r>
             <a:r>
               <a:rPr lang="pt-BR" sz="1400" dirty="0">
@@ -13781,14 +14264,32 @@
                 <a:latin typeface="Consolas" pitchFamily="49" charset="0"/>
                 <a:cs typeface="Consolas" pitchFamily="49" charset="0"/>
               </a:rPr>
-              <a:t>wParam</a:t>
+              <a:t>lParam</a:t>
             </a:r>
             <a:r>
               <a:rPr lang="pt-BR" sz="1400" dirty="0">
                 <a:latin typeface="Consolas" pitchFamily="49" charset="0"/>
                 <a:cs typeface="Consolas" pitchFamily="49" charset="0"/>
               </a:rPr>
-              <a:t>, </a:t>
+              <a:t>) </a:t>
+            </a:r>
+          </a:p>
+          <a:p>
+            <a:r>
+              <a:rPr lang="pt-BR" sz="1400" dirty="0">
+                <a:latin typeface="Consolas" pitchFamily="49" charset="0"/>
+                <a:cs typeface="Consolas" pitchFamily="49" charset="0"/>
+              </a:rPr>
+              <a:t>{  </a:t>
+            </a:r>
+          </a:p>
+          <a:p>
+            <a:r>
+              <a:rPr lang="pt-BR" sz="1400" dirty="0">
+                <a:latin typeface="Consolas" pitchFamily="49" charset="0"/>
+                <a:cs typeface="Consolas" pitchFamily="49" charset="0"/>
+              </a:rPr>
+              <a:t>     </a:t>
             </a:r>
             <a:r>
               <a:rPr lang="pt-BR" sz="1400" dirty="0">
@@ -13798,17 +14299,17 @@
                 <a:latin typeface="Consolas" pitchFamily="49" charset="0"/>
                 <a:cs typeface="Consolas" pitchFamily="49" charset="0"/>
               </a:rPr>
-              <a:t>LPARAM</a:t>
+              <a:t>switch</a:t>
             </a:r>
             <a:r>
               <a:rPr lang="pt-BR" sz="1400" dirty="0">
                 <a:latin typeface="Consolas" pitchFamily="49" charset="0"/>
                 <a:cs typeface="Consolas" pitchFamily="49" charset="0"/>
               </a:rPr>
-              <a:t> </a:t>
-            </a:r>
-            <a:r>
-              <a:rPr lang="pt-BR" sz="1400" dirty="0" err="1">
+              <a:t> (</a:t>
+            </a:r>
+            <a:r>
+              <a:rPr lang="pt-BR" sz="1400" dirty="0">
                 <a:solidFill>
                   <a:schemeClr val="tx1">
                     <a:lumMod val="75000"/>
@@ -13817,61 +14318,7 @@
                 <a:latin typeface="Consolas" pitchFamily="49" charset="0"/>
                 <a:cs typeface="Consolas" pitchFamily="49" charset="0"/>
               </a:rPr>
-              <a:t>lParam</a:t>
-            </a:r>
-            <a:r>
-              <a:rPr lang="pt-BR" sz="1400" dirty="0">
-                <a:latin typeface="Consolas" pitchFamily="49" charset="0"/>
-                <a:cs typeface="Consolas" pitchFamily="49" charset="0"/>
-              </a:rPr>
-              <a:t>) </a:t>
-            </a:r>
-          </a:p>
-          <a:p>
-            <a:r>
-              <a:rPr lang="pt-BR" sz="1400" dirty="0">
-                <a:latin typeface="Consolas" pitchFamily="49" charset="0"/>
-                <a:cs typeface="Consolas" pitchFamily="49" charset="0"/>
-              </a:rPr>
-              <a:t>{  </a:t>
-            </a:r>
-          </a:p>
-          <a:p>
-            <a:r>
-              <a:rPr lang="pt-BR" sz="1400" dirty="0">
-                <a:latin typeface="Consolas" pitchFamily="49" charset="0"/>
-                <a:cs typeface="Consolas" pitchFamily="49" charset="0"/>
-              </a:rPr>
-              <a:t>     </a:t>
-            </a:r>
-            <a:r>
-              <a:rPr lang="pt-BR" sz="1400" dirty="0">
-                <a:solidFill>
-                  <a:schemeClr val="accent1"/>
-                </a:solidFill>
-                <a:latin typeface="Consolas" pitchFamily="49" charset="0"/>
-                <a:cs typeface="Consolas" pitchFamily="49" charset="0"/>
-              </a:rPr>
-              <a:t>switch</a:t>
-            </a:r>
-            <a:r>
-              <a:rPr lang="pt-BR" sz="1400" dirty="0">
-                <a:latin typeface="Consolas" pitchFamily="49" charset="0"/>
-                <a:cs typeface="Consolas" pitchFamily="49" charset="0"/>
-              </a:rPr>
-              <a:t> (</a:t>
-            </a:r>
-            <a:r>
-              <a:rPr lang="pt-BR" sz="1400" dirty="0" err="1">
-                <a:solidFill>
-                  <a:schemeClr val="tx1">
-                    <a:lumMod val="75000"/>
-                  </a:schemeClr>
-                </a:solidFill>
-                <a:latin typeface="Consolas" pitchFamily="49" charset="0"/>
-                <a:cs typeface="Consolas" pitchFamily="49" charset="0"/>
-              </a:rPr>
-              <a:t>message</a:t>
+              <a:t>msg</a:t>
             </a:r>
             <a:r>
               <a:rPr lang="pt-BR" sz="1400" dirty="0">
@@ -14229,7 +14676,7 @@
               <a:t>, </a:t>
             </a:r>
             <a:r>
-              <a:rPr lang="pt-BR" sz="1400" dirty="0" err="1">
+              <a:rPr lang="pt-BR" sz="1400" dirty="0">
                 <a:solidFill>
                   <a:schemeClr val="tx1">
                     <a:lumMod val="75000"/>
@@ -14238,7 +14685,7 @@
                 <a:latin typeface="Consolas" pitchFamily="49" charset="0"/>
                 <a:cs typeface="Consolas" pitchFamily="49" charset="0"/>
               </a:rPr>
-              <a:t>message</a:t>
+              <a:t>msg</a:t>
             </a:r>
             <a:r>
               <a:rPr lang="pt-BR" sz="1400" dirty="0">
@@ -14538,6 +14985,42 @@
               <a:t> </a:t>
             </a:r>
             <a:r>
+              <a:rPr lang="pt-BR" sz="1400" dirty="0">
+                <a:solidFill>
+                  <a:schemeClr val="tx1">
+                    <a:lumMod val="75000"/>
+                  </a:schemeClr>
+                </a:solidFill>
+                <a:latin typeface="Consolas" pitchFamily="49" charset="0"/>
+                <a:cs typeface="Consolas" pitchFamily="49" charset="0"/>
+              </a:rPr>
+              <a:t>msg</a:t>
+            </a:r>
+            <a:r>
+              <a:rPr lang="pt-BR" sz="1400" dirty="0">
+                <a:latin typeface="Consolas" pitchFamily="49" charset="0"/>
+                <a:cs typeface="Consolas" pitchFamily="49" charset="0"/>
+              </a:rPr>
+              <a:t>, </a:t>
+            </a:r>
+            <a:r>
+              <a:rPr lang="pt-BR" sz="1400" dirty="0">
+                <a:solidFill>
+                  <a:schemeClr val="accent1"/>
+                </a:solidFill>
+                <a:latin typeface="Consolas" pitchFamily="49" charset="0"/>
+                <a:cs typeface="Consolas" pitchFamily="49" charset="0"/>
+              </a:rPr>
+              <a:t>WPARAM</a:t>
+            </a:r>
+            <a:r>
+              <a:rPr lang="pt-BR" sz="1400" dirty="0">
+                <a:latin typeface="Consolas" pitchFamily="49" charset="0"/>
+                <a:cs typeface="Consolas" pitchFamily="49" charset="0"/>
+              </a:rPr>
+              <a:t> </a:t>
+            </a:r>
+            <a:r>
               <a:rPr lang="pt-BR" sz="1400" dirty="0" err="1">
                 <a:solidFill>
                   <a:schemeClr val="tx1">
@@ -14547,7 +15030,7 @@
                 <a:latin typeface="Consolas" pitchFamily="49" charset="0"/>
                 <a:cs typeface="Consolas" pitchFamily="49" charset="0"/>
               </a:rPr>
-              <a:t>message</a:t>
+              <a:t>wParam</a:t>
             </a:r>
             <a:r>
               <a:rPr lang="pt-BR" sz="1400" dirty="0">
@@ -14564,7 +15047,7 @@
                 <a:latin typeface="Consolas" pitchFamily="49" charset="0"/>
                 <a:cs typeface="Consolas" pitchFamily="49" charset="0"/>
               </a:rPr>
-              <a:t>WPARAM</a:t>
+              <a:t>LPARAM</a:t>
             </a:r>
             <a:r>
               <a:rPr lang="pt-BR" sz="1400" dirty="0">
@@ -14583,14 +15066,32 @@
                 <a:latin typeface="Consolas" pitchFamily="49" charset="0"/>
                 <a:cs typeface="Consolas" pitchFamily="49" charset="0"/>
               </a:rPr>
-              <a:t>wParam</a:t>
+              <a:t>lParam</a:t>
             </a:r>
             <a:r>
               <a:rPr lang="pt-BR" sz="1400" dirty="0">
                 <a:latin typeface="Consolas" pitchFamily="49" charset="0"/>
                 <a:cs typeface="Consolas" pitchFamily="49" charset="0"/>
               </a:rPr>
-              <a:t>, </a:t>
+              <a:t>) </a:t>
+            </a:r>
+          </a:p>
+          <a:p>
+            <a:r>
+              <a:rPr lang="pt-BR" sz="1400" dirty="0">
+                <a:latin typeface="Consolas" pitchFamily="49" charset="0"/>
+                <a:cs typeface="Consolas" pitchFamily="49" charset="0"/>
+              </a:rPr>
+              <a:t>{  </a:t>
+            </a:r>
+          </a:p>
+          <a:p>
+            <a:r>
+              <a:rPr lang="pt-BR" sz="1400" dirty="0">
+                <a:latin typeface="Consolas" pitchFamily="49" charset="0"/>
+                <a:cs typeface="Consolas" pitchFamily="49" charset="0"/>
+              </a:rPr>
+              <a:t>     </a:t>
             </a:r>
             <a:r>
               <a:rPr lang="pt-BR" sz="1400" dirty="0">
@@ -14600,17 +15101,17 @@
                 <a:latin typeface="Consolas" pitchFamily="49" charset="0"/>
                 <a:cs typeface="Consolas" pitchFamily="49" charset="0"/>
               </a:rPr>
-              <a:t>LPARAM</a:t>
+              <a:t>switch</a:t>
             </a:r>
             <a:r>
               <a:rPr lang="pt-BR" sz="1400" dirty="0">
                 <a:latin typeface="Consolas" pitchFamily="49" charset="0"/>
                 <a:cs typeface="Consolas" pitchFamily="49" charset="0"/>
               </a:rPr>
-              <a:t> </a:t>
-            </a:r>
-            <a:r>
-              <a:rPr lang="pt-BR" sz="1400" dirty="0" err="1">
+              <a:t> (</a:t>
+            </a:r>
+            <a:r>
+              <a:rPr lang="pt-BR" sz="1400" dirty="0">
                 <a:solidFill>
                   <a:schemeClr val="tx1">
                     <a:lumMod val="75000"/>
@@ -14619,61 +15120,7 @@
                 <a:latin typeface="Consolas" pitchFamily="49" charset="0"/>
                 <a:cs typeface="Consolas" pitchFamily="49" charset="0"/>
               </a:rPr>
-              <a:t>lParam</a:t>
-            </a:r>
-            <a:r>
-              <a:rPr lang="pt-BR" sz="1400" dirty="0">
-                <a:latin typeface="Consolas" pitchFamily="49" charset="0"/>
-                <a:cs typeface="Consolas" pitchFamily="49" charset="0"/>
-              </a:rPr>
-              <a:t>) </a:t>
-            </a:r>
-          </a:p>
-          <a:p>
-            <a:r>
-              <a:rPr lang="pt-BR" sz="1400" dirty="0">
-                <a:latin typeface="Consolas" pitchFamily="49" charset="0"/>
-                <a:cs typeface="Consolas" pitchFamily="49" charset="0"/>
-              </a:rPr>
-              <a:t>{  </a:t>
-            </a:r>
-          </a:p>
-          <a:p>
-            <a:r>
-              <a:rPr lang="pt-BR" sz="1400" dirty="0">
-                <a:latin typeface="Consolas" pitchFamily="49" charset="0"/>
-                <a:cs typeface="Consolas" pitchFamily="49" charset="0"/>
-              </a:rPr>
-              <a:t>     </a:t>
-            </a:r>
-            <a:r>
-              <a:rPr lang="pt-BR" sz="1400" dirty="0">
-                <a:solidFill>
-                  <a:schemeClr val="accent1"/>
-                </a:solidFill>
-                <a:latin typeface="Consolas" pitchFamily="49" charset="0"/>
-                <a:cs typeface="Consolas" pitchFamily="49" charset="0"/>
-              </a:rPr>
-              <a:t>switch</a:t>
-            </a:r>
-            <a:r>
-              <a:rPr lang="pt-BR" sz="1400" dirty="0">
-                <a:latin typeface="Consolas" pitchFamily="49" charset="0"/>
-                <a:cs typeface="Consolas" pitchFamily="49" charset="0"/>
-              </a:rPr>
-              <a:t> (</a:t>
-            </a:r>
-            <a:r>
-              <a:rPr lang="pt-BR" sz="1400" dirty="0" err="1">
-                <a:solidFill>
-                  <a:schemeClr val="tx1">
-                    <a:lumMod val="75000"/>
-                  </a:schemeClr>
-                </a:solidFill>
-                <a:latin typeface="Consolas" pitchFamily="49" charset="0"/>
-                <a:cs typeface="Consolas" pitchFamily="49" charset="0"/>
-              </a:rPr>
-              <a:t>message</a:t>
+              <a:t>msg</a:t>
             </a:r>
             <a:r>
               <a:rPr lang="pt-BR" sz="1400" dirty="0">
@@ -14900,7 +15347,7 @@
               <a:t>, </a:t>
             </a:r>
             <a:r>
-              <a:rPr lang="pt-BR" sz="1400" dirty="0" err="1">
+              <a:rPr lang="pt-BR" sz="1400" dirty="0">
                 <a:solidFill>
                   <a:schemeClr val="tx1">
                     <a:lumMod val="75000"/>
@@ -14909,7 +15356,7 @@
                 <a:latin typeface="Consolas" pitchFamily="49" charset="0"/>
                 <a:cs typeface="Consolas" pitchFamily="49" charset="0"/>
               </a:rPr>
-              <a:t>message</a:t>
+              <a:t>msg</a:t>
             </a:r>
             <a:r>
               <a:rPr lang="pt-BR" sz="1400" dirty="0">
@@ -16481,7 +16928,22 @@
                   <a:schemeClr val="accent1"/>
                 </a:solidFill>
               </a:rPr>
-              <a:t>através de mensagens </a:t>
+              <a:t>através </a:t>
+            </a:r>
+            <a:br>
+              <a:rPr lang="pt-BR" dirty="0">
+                <a:solidFill>
+                  <a:schemeClr val="accent1"/>
+                </a:solidFill>
+              </a:rPr>
+            </a:br>
+            <a:r>
+              <a:rPr lang="pt-BR" dirty="0">
+                <a:solidFill>
+                  <a:schemeClr val="accent1"/>
+                </a:solidFill>
+              </a:rPr>
+              <a:t>de mensagens </a:t>
             </a:r>
             <a:r>
               <a:rPr lang="pt-BR" dirty="0"/>
@@ -17714,10 +18176,10 @@
       </p:sp>
       <p:grpSp>
         <p:nvGrpSpPr>
-          <p:cNvPr id="69" name="Agrupar 68">
+          <p:cNvPr id="14" name="Agrupar 13">
             <a:extLst>
               <a:ext uri="{FF2B5EF4-FFF2-40B4-BE49-F238E27FC236}">
-                <a16:creationId xmlns:a16="http://schemas.microsoft.com/office/drawing/2014/main" id="{F342592A-DD4D-46F9-A379-515F186B57F6}"/>
+                <a16:creationId xmlns:a16="http://schemas.microsoft.com/office/drawing/2014/main" id="{F6A39B7D-BF8B-4D5A-9C46-23A100CFCF5C}"/>
               </a:ext>
             </a:extLst>
           </p:cNvPr>
@@ -17727,9 +18189,9 @@
         <p:grpSpPr>
           <a:xfrm>
             <a:off x="1423562" y="4110417"/>
-            <a:ext cx="6378629" cy="1176627"/>
+            <a:ext cx="6378629" cy="1151403"/>
             <a:chOff x="1423562" y="4110417"/>
-            <a:chExt cx="6378629" cy="1176627"/>
+            <a:chExt cx="6378629" cy="1151403"/>
           </a:xfrm>
         </p:grpSpPr>
         <p:sp>
@@ -17789,7 +18251,7 @@
           </p:nvSpPr>
           <p:spPr>
             <a:xfrm>
-              <a:off x="2333303" y="4208537"/>
+              <a:off x="2328712" y="4183313"/>
               <a:ext cx="1268231" cy="1078507"/>
             </a:xfrm>
             <a:prstGeom prst="roundRect">
@@ -17863,8 +18325,8 @@
           </p:nvCxnSpPr>
           <p:spPr>
             <a:xfrm>
-              <a:off x="3601534" y="4747791"/>
-              <a:ext cx="1556051" cy="0"/>
+              <a:off x="3596943" y="4722567"/>
+              <a:ext cx="1560642" cy="0"/>
             </a:xfrm>
             <a:prstGeom prst="straightConnector1">
               <a:avLst/>
@@ -17907,7 +18369,7 @@
           </p:nvSpPr>
           <p:spPr>
             <a:xfrm>
-              <a:off x="5157585" y="4208537"/>
+              <a:off x="5157585" y="4183313"/>
               <a:ext cx="1268231" cy="1078507"/>
             </a:xfrm>
             <a:prstGeom prst="roundRect">
@@ -18058,9 +18520,9 @@
             <p:nvPr/>
           </p:nvCxnSpPr>
           <p:spPr>
-            <a:xfrm flipV="1">
+            <a:xfrm>
               <a:off x="6425816" y="4722567"/>
-              <a:ext cx="1376375" cy="25224"/>
+              <a:ext cx="1376375" cy="0"/>
             </a:xfrm>
             <a:prstGeom prst="straightConnector1">
               <a:avLst/>
@@ -18107,7 +18569,7 @@
           <p:spPr>
             <a:xfrm>
               <a:off x="1423562" y="4722567"/>
-              <a:ext cx="909741" cy="25224"/>
+              <a:ext cx="905150" cy="0"/>
             </a:xfrm>
             <a:prstGeom prst="straightConnector1">
               <a:avLst/>
@@ -19205,6 +19667,74 @@
               <a:rPr lang="pt-BR" dirty="0"/>
               <a:t>na liberação da tecla</a:t>
             </a:r>
+          </a:p>
+          <a:p>
+            <a:pPr lvl="1"/>
+            <a:endParaRPr lang="pt-BR" baseline="0" dirty="0"/>
+          </a:p>
+          <a:p>
+            <a:pPr lvl="1"/>
+            <a:r>
+              <a:rPr lang="pt-BR" baseline="0" dirty="0"/>
+              <a:t>Segurar uma tecla por um tempo maior que</a:t>
+            </a:r>
+            <a:br>
+              <a:rPr lang="pt-BR" baseline="0" dirty="0"/>
+            </a:br>
+            <a:r>
+              <a:rPr lang="pt-BR" baseline="0" dirty="0"/>
+              <a:t>o </a:t>
+            </a:r>
+            <a:r>
+              <a:rPr lang="pt-BR" baseline="0" dirty="0">
+                <a:solidFill>
+                  <a:schemeClr val="accent2"/>
+                </a:solidFill>
+              </a:rPr>
+              <a:t>tempo de repetição </a:t>
+            </a:r>
+            <a:r>
+              <a:rPr lang="pt-BR" baseline="0" dirty="0"/>
+              <a:t>causa a geração de </a:t>
+            </a:r>
+            <a:br>
+              <a:rPr lang="pt-BR" baseline="0" dirty="0"/>
+            </a:br>
+            <a:r>
+              <a:rPr lang="pt-BR" baseline="0" dirty="0"/>
+              <a:t>várias mensagens </a:t>
+            </a:r>
+            <a:r>
+              <a:rPr lang="pt-BR" baseline="0" dirty="0">
+                <a:solidFill>
+                  <a:schemeClr val="accent1"/>
+                </a:solidFill>
+              </a:rPr>
+              <a:t>WM_KEYDOWN</a:t>
+            </a:r>
+            <a:r>
+              <a:rPr lang="pt-BR" baseline="0" dirty="0"/>
+              <a:t> e apenas </a:t>
+            </a:r>
+            <a:br>
+              <a:rPr lang="pt-BR" baseline="0" dirty="0"/>
+            </a:br>
+            <a:r>
+              <a:rPr lang="pt-BR" baseline="0" dirty="0"/>
+              <a:t>uma </a:t>
+            </a:r>
+            <a:r>
+              <a:rPr lang="pt-BR" baseline="0" dirty="0">
+                <a:solidFill>
+                  <a:schemeClr val="accent1"/>
+                </a:solidFill>
+              </a:rPr>
+              <a:t>WM_KEYUP</a:t>
+            </a:r>
+            <a:endParaRPr lang="pt-BR" dirty="0"/>
+          </a:p>
+          <a:p>
+            <a:pPr lvl="1"/>
             <a:endParaRPr lang="pt-BR" dirty="0">
               <a:solidFill>
                 <a:schemeClr val="accent1"/>
@@ -19230,7 +19760,7 @@
         </p:nvGrpSpPr>
         <p:grpSpPr>
           <a:xfrm>
-            <a:off x="1803736" y="4511928"/>
+            <a:off x="7863710" y="2839407"/>
             <a:ext cx="3566361" cy="1367215"/>
             <a:chOff x="1803736" y="4511928"/>
             <a:chExt cx="3566361" cy="1367215"/>
@@ -23797,10 +24327,10 @@
         </p:nvGrpSpPr>
         <p:grpSpPr>
           <a:xfrm>
-            <a:off x="6355574" y="4280778"/>
-            <a:ext cx="3739589" cy="1482735"/>
-            <a:chOff x="6673691" y="4147605"/>
-            <a:chExt cx="3739589" cy="1482735"/>
+            <a:off x="7930626" y="4672999"/>
+            <a:ext cx="3432528" cy="1399608"/>
+            <a:chOff x="6840752" y="4230732"/>
+            <a:chExt cx="3432528" cy="1399608"/>
           </a:xfrm>
         </p:grpSpPr>
         <p:sp>
@@ -24333,8 +24863,8 @@
           </p:nvSpPr>
           <p:spPr>
             <a:xfrm>
-              <a:off x="6673691" y="4147605"/>
-              <a:ext cx="1835759" cy="369332"/>
+              <a:off x="6840752" y="4230732"/>
+              <a:ext cx="1515158" cy="307777"/>
             </a:xfrm>
             <a:prstGeom prst="rect">
               <a:avLst/>
@@ -24348,7 +24878,7 @@
             <a:lstStyle/>
             <a:p>
               <a:r>
-                <a:rPr lang="pt-BR" dirty="0"/>
+                <a:rPr lang="pt-BR" sz="1400" dirty="0"/>
                 <a:t>WM_KEYDOWN</a:t>
               </a:r>
             </a:p>
@@ -24930,8 +25460,8 @@
           </p:nvSpPr>
           <p:spPr>
             <a:xfrm>
-              <a:off x="8997508" y="4151522"/>
-              <a:ext cx="1415772" cy="369332"/>
+              <a:off x="9130018" y="4248203"/>
+              <a:ext cx="1143262" cy="307777"/>
             </a:xfrm>
             <a:prstGeom prst="rect">
               <a:avLst/>
@@ -24945,7 +25475,7 @@
             <a:lstStyle/>
             <a:p>
               <a:r>
-                <a:rPr lang="pt-BR" dirty="0"/>
+                <a:rPr lang="pt-BR" sz="1400" dirty="0"/>
                 <a:t>WM_KEYUP</a:t>
               </a:r>
             </a:p>
@@ -25239,8 +25769,8 @@
               <a:t>, </a:t>
             </a:r>
             <a:r>
-              <a:rPr lang="pt-BR" b="1" dirty="0"/>
-              <a:t>VK_UP </a:t>
+              <a:rPr lang="pt-BR" b="1"/>
+              <a:t>VK_RIGHT </a:t>
             </a:r>
             <a:r>
               <a:rPr lang="pt-BR" dirty="0"/>
@@ -25534,6 +26064,42 @@
               <a:t> </a:t>
             </a:r>
             <a:r>
+              <a:rPr lang="pt-BR" sz="1400" dirty="0">
+                <a:solidFill>
+                  <a:schemeClr val="tx1">
+                    <a:lumMod val="75000"/>
+                  </a:schemeClr>
+                </a:solidFill>
+                <a:latin typeface="Consolas" pitchFamily="49" charset="0"/>
+                <a:cs typeface="Consolas" pitchFamily="49" charset="0"/>
+              </a:rPr>
+              <a:t>msg</a:t>
+            </a:r>
+            <a:r>
+              <a:rPr lang="pt-BR" sz="1400" dirty="0">
+                <a:latin typeface="Consolas" pitchFamily="49" charset="0"/>
+                <a:cs typeface="Consolas" pitchFamily="49" charset="0"/>
+              </a:rPr>
+              <a:t>, </a:t>
+            </a:r>
+            <a:r>
+              <a:rPr lang="pt-BR" sz="1400" dirty="0">
+                <a:solidFill>
+                  <a:schemeClr val="accent1"/>
+                </a:solidFill>
+                <a:latin typeface="Consolas" pitchFamily="49" charset="0"/>
+                <a:cs typeface="Consolas" pitchFamily="49" charset="0"/>
+              </a:rPr>
+              <a:t>WPARAM</a:t>
+            </a:r>
+            <a:r>
+              <a:rPr lang="pt-BR" sz="1400" dirty="0">
+                <a:latin typeface="Consolas" pitchFamily="49" charset="0"/>
+                <a:cs typeface="Consolas" pitchFamily="49" charset="0"/>
+              </a:rPr>
+              <a:t> </a:t>
+            </a:r>
+            <a:r>
               <a:rPr lang="pt-BR" sz="1400" dirty="0" err="1">
                 <a:solidFill>
                   <a:schemeClr val="tx1">
@@ -25543,7 +26109,7 @@
                 <a:latin typeface="Consolas" pitchFamily="49" charset="0"/>
                 <a:cs typeface="Consolas" pitchFamily="49" charset="0"/>
               </a:rPr>
-              <a:t>message</a:t>
+              <a:t>wParam</a:t>
             </a:r>
             <a:r>
               <a:rPr lang="pt-BR" sz="1400" dirty="0">
@@ -25560,7 +26126,7 @@
                 <a:latin typeface="Consolas" pitchFamily="49" charset="0"/>
                 <a:cs typeface="Consolas" pitchFamily="49" charset="0"/>
               </a:rPr>
-              <a:t>WPARAM</a:t>
+              <a:t>LPARAM</a:t>
             </a:r>
             <a:r>
               <a:rPr lang="pt-BR" sz="1400" dirty="0">
@@ -25579,14 +26145,32 @@
                 <a:latin typeface="Consolas" pitchFamily="49" charset="0"/>
                 <a:cs typeface="Consolas" pitchFamily="49" charset="0"/>
               </a:rPr>
-              <a:t>wParam</a:t>
+              <a:t>lParam</a:t>
             </a:r>
             <a:r>
               <a:rPr lang="pt-BR" sz="1400" dirty="0">
                 <a:latin typeface="Consolas" pitchFamily="49" charset="0"/>
                 <a:cs typeface="Consolas" pitchFamily="49" charset="0"/>
               </a:rPr>
-              <a:t>, </a:t>
+              <a:t>) </a:t>
+            </a:r>
+          </a:p>
+          <a:p>
+            <a:r>
+              <a:rPr lang="pt-BR" sz="1400" dirty="0">
+                <a:latin typeface="Consolas" pitchFamily="49" charset="0"/>
+                <a:cs typeface="Consolas" pitchFamily="49" charset="0"/>
+              </a:rPr>
+              <a:t>{  </a:t>
+            </a:r>
+          </a:p>
+          <a:p>
+            <a:r>
+              <a:rPr lang="pt-BR" sz="1400" dirty="0">
+                <a:latin typeface="Consolas" pitchFamily="49" charset="0"/>
+                <a:cs typeface="Consolas" pitchFamily="49" charset="0"/>
+              </a:rPr>
+              <a:t>     </a:t>
             </a:r>
             <a:r>
               <a:rPr lang="pt-BR" sz="1400" dirty="0">
@@ -25596,17 +26180,17 @@
                 <a:latin typeface="Consolas" pitchFamily="49" charset="0"/>
                 <a:cs typeface="Consolas" pitchFamily="49" charset="0"/>
               </a:rPr>
-              <a:t>LPARAM</a:t>
+              <a:t>switch</a:t>
             </a:r>
             <a:r>
               <a:rPr lang="pt-BR" sz="1400" dirty="0">
                 <a:latin typeface="Consolas" pitchFamily="49" charset="0"/>
                 <a:cs typeface="Consolas" pitchFamily="49" charset="0"/>
               </a:rPr>
-              <a:t> </a:t>
-            </a:r>
-            <a:r>
-              <a:rPr lang="pt-BR" sz="1400" dirty="0" err="1">
+              <a:t> (</a:t>
+            </a:r>
+            <a:r>
+              <a:rPr lang="pt-BR" sz="1400" dirty="0">
                 <a:solidFill>
                   <a:schemeClr val="tx1">
                     <a:lumMod val="75000"/>
@@ -25615,61 +26199,7 @@
                 <a:latin typeface="Consolas" pitchFamily="49" charset="0"/>
                 <a:cs typeface="Consolas" pitchFamily="49" charset="0"/>
               </a:rPr>
-              <a:t>lParam</a:t>
-            </a:r>
-            <a:r>
-              <a:rPr lang="pt-BR" sz="1400" dirty="0">
-                <a:latin typeface="Consolas" pitchFamily="49" charset="0"/>
-                <a:cs typeface="Consolas" pitchFamily="49" charset="0"/>
-              </a:rPr>
-              <a:t>) </a:t>
-            </a:r>
-          </a:p>
-          <a:p>
-            <a:r>
-              <a:rPr lang="pt-BR" sz="1400" dirty="0">
-                <a:latin typeface="Consolas" pitchFamily="49" charset="0"/>
-                <a:cs typeface="Consolas" pitchFamily="49" charset="0"/>
-              </a:rPr>
-              <a:t>{  </a:t>
-            </a:r>
-          </a:p>
-          <a:p>
-            <a:r>
-              <a:rPr lang="pt-BR" sz="1400" dirty="0">
-                <a:latin typeface="Consolas" pitchFamily="49" charset="0"/>
-                <a:cs typeface="Consolas" pitchFamily="49" charset="0"/>
-              </a:rPr>
-              <a:t>     </a:t>
-            </a:r>
-            <a:r>
-              <a:rPr lang="pt-BR" sz="1400" dirty="0">
-                <a:solidFill>
-                  <a:schemeClr val="accent1"/>
-                </a:solidFill>
-                <a:latin typeface="Consolas" pitchFamily="49" charset="0"/>
-                <a:cs typeface="Consolas" pitchFamily="49" charset="0"/>
-              </a:rPr>
-              <a:t>switch</a:t>
-            </a:r>
-            <a:r>
-              <a:rPr lang="pt-BR" sz="1400" dirty="0">
-                <a:latin typeface="Consolas" pitchFamily="49" charset="0"/>
-                <a:cs typeface="Consolas" pitchFamily="49" charset="0"/>
-              </a:rPr>
-              <a:t> (</a:t>
-            </a:r>
-            <a:r>
-              <a:rPr lang="pt-BR" sz="1400" dirty="0" err="1">
-                <a:solidFill>
-                  <a:schemeClr val="tx1">
-                    <a:lumMod val="75000"/>
-                  </a:schemeClr>
-                </a:solidFill>
-                <a:latin typeface="Consolas" pitchFamily="49" charset="0"/>
-                <a:cs typeface="Consolas" pitchFamily="49" charset="0"/>
-              </a:rPr>
-              <a:t>message</a:t>
+              <a:t>msg</a:t>
             </a:r>
             <a:r>
               <a:rPr lang="pt-BR" sz="1400" dirty="0">
@@ -25990,7 +26520,7 @@
               <a:t>, </a:t>
             </a:r>
             <a:r>
-              <a:rPr lang="pt-BR" sz="1400" dirty="0" err="1">
+              <a:rPr lang="pt-BR" sz="1400" dirty="0">
                 <a:solidFill>
                   <a:schemeClr val="tx1">
                     <a:lumMod val="75000"/>
@@ -25999,7 +26529,7 @@
                 <a:latin typeface="Consolas" pitchFamily="49" charset="0"/>
                 <a:cs typeface="Consolas" pitchFamily="49" charset="0"/>
               </a:rPr>
-              <a:t>message</a:t>
+              <a:t>msg</a:t>
             </a:r>
             <a:r>
               <a:rPr lang="pt-BR" sz="1400" dirty="0">
